--- a/src/main/resources/lesson34/JPA.Hibernate.pptx
+++ b/src/main/resources/lesson34/JPA.Hibernate.pptx
@@ -5,23 +5,19 @@
     <p:sldMasterId id="2147483696" r:id="rId1"/>
   </p:sldMasterIdLst>
   <p:notesMasterIdLst>
-    <p:notesMasterId r:id="rId16"/>
+    <p:notesMasterId r:id="rId12"/>
   </p:notesMasterIdLst>
   <p:sldIdLst>
-    <p:sldId id="328" r:id="rId2"/>
-    <p:sldId id="329" r:id="rId3"/>
-    <p:sldId id="330" r:id="rId4"/>
-    <p:sldId id="325" r:id="rId5"/>
-    <p:sldId id="327" r:id="rId6"/>
-    <p:sldId id="322" r:id="rId7"/>
-    <p:sldId id="326" r:id="rId8"/>
-    <p:sldId id="323" r:id="rId9"/>
-    <p:sldId id="324" r:id="rId10"/>
-    <p:sldId id="331" r:id="rId11"/>
-    <p:sldId id="332" r:id="rId12"/>
-    <p:sldId id="333" r:id="rId13"/>
-    <p:sldId id="334" r:id="rId14"/>
-    <p:sldId id="335" r:id="rId15"/>
+    <p:sldId id="327" r:id="rId2"/>
+    <p:sldId id="322" r:id="rId3"/>
+    <p:sldId id="326" r:id="rId4"/>
+    <p:sldId id="323" r:id="rId5"/>
+    <p:sldId id="324" r:id="rId6"/>
+    <p:sldId id="331" r:id="rId7"/>
+    <p:sldId id="332" r:id="rId8"/>
+    <p:sldId id="333" r:id="rId9"/>
+    <p:sldId id="334" r:id="rId10"/>
+    <p:sldId id="335" r:id="rId11"/>
   </p:sldIdLst>
   <p:sldSz cx="9144000" cy="6858000" type="screen4x3"/>
   <p:notesSz cx="6858000" cy="9144000"/>
@@ -221,7 +217,7 @@
           <a:p>
             <a:fld id="{D15B1B1A-7302-47FC-952D-0C1A65EDA216}" type="datetimeFigureOut">
               <a:rPr lang="en-GB" smtClean="0"/>
-              <a:t>14/03/2023</a:t>
+              <a:t>17/03/2023</a:t>
             </a:fld>
             <a:endParaRPr lang="en-GB"/>
           </a:p>
@@ -563,7 +559,7 @@
     </p:spTree>
     <p:extLst>
       <p:ext uri="{BB962C8B-B14F-4D97-AF65-F5344CB8AC3E}">
-        <p14:creationId xmlns:p14="http://schemas.microsoft.com/office/powerpoint/2010/main" val="876677463"/>
+        <p14:creationId xmlns:p14="http://schemas.microsoft.com/office/powerpoint/2010/main" val="1306165310"/>
       </p:ext>
     </p:extLst>
   </p:cSld>
@@ -639,342 +635,6 @@
             <a:fld id="{BC107AEB-194C-44B0-AF24-25F433C29CAA}" type="slidenum">
               <a:rPr lang="en-GB" smtClean="0"/>
               <a:t>10</a:t>
-            </a:fld>
-            <a:endParaRPr lang="en-GB"/>
-          </a:p>
-        </p:txBody>
-      </p:sp>
-    </p:spTree>
-    <p:extLst>
-      <p:ext uri="{BB962C8B-B14F-4D97-AF65-F5344CB8AC3E}">
-        <p14:creationId xmlns:p14="http://schemas.microsoft.com/office/powerpoint/2010/main" val="244895095"/>
-      </p:ext>
-    </p:extLst>
-  </p:cSld>
-  <p:clrMapOvr>
-    <a:masterClrMapping/>
-  </p:clrMapOvr>
-</p:notes>
-</file>
-
-<file path=ppt/notesSlides/notesSlide11.xml><?xml version="1.0" encoding="utf-8"?>
-<p:notes xmlns:a="http://schemas.openxmlformats.org/drawingml/2006/main" xmlns:r="http://schemas.openxmlformats.org/officeDocument/2006/relationships" xmlns:p="http://schemas.openxmlformats.org/presentationml/2006/main">
-  <p:cSld>
-    <p:spTree>
-      <p:nvGrpSpPr>
-        <p:cNvPr id="1" name=""/>
-        <p:cNvGrpSpPr/>
-        <p:nvPr/>
-      </p:nvGrpSpPr>
-      <p:grpSpPr>
-        <a:xfrm>
-          <a:off x="0" y="0"/>
-          <a:ext cx="0" cy="0"/>
-          <a:chOff x="0" y="0"/>
-          <a:chExt cx="0" cy="0"/>
-        </a:xfrm>
-      </p:grpSpPr>
-      <p:sp>
-        <p:nvSpPr>
-          <p:cNvPr id="2" name="Slide Image Placeholder 1"/>
-          <p:cNvSpPr>
-            <a:spLocks noGrp="1" noRot="1" noChangeAspect="1"/>
-          </p:cNvSpPr>
-          <p:nvPr>
-            <p:ph type="sldImg"/>
-          </p:nvPr>
-        </p:nvSpPr>
-        <p:spPr/>
-      </p:sp>
-      <p:sp>
-        <p:nvSpPr>
-          <p:cNvPr id="3" name="Notes Placeholder 2"/>
-          <p:cNvSpPr>
-            <a:spLocks noGrp="1"/>
-          </p:cNvSpPr>
-          <p:nvPr>
-            <p:ph type="body" idx="1"/>
-          </p:nvPr>
-        </p:nvSpPr>
-        <p:spPr/>
-        <p:txBody>
-          <a:bodyPr/>
-          <a:lstStyle/>
-          <a:p>
-            <a:endParaRPr lang="en-GB" dirty="0"/>
-          </a:p>
-        </p:txBody>
-      </p:sp>
-      <p:sp>
-        <p:nvSpPr>
-          <p:cNvPr id="4" name="Slide Number Placeholder 3"/>
-          <p:cNvSpPr>
-            <a:spLocks noGrp="1"/>
-          </p:cNvSpPr>
-          <p:nvPr>
-            <p:ph type="sldNum" sz="quarter" idx="5"/>
-          </p:nvPr>
-        </p:nvSpPr>
-        <p:spPr/>
-        <p:txBody>
-          <a:bodyPr/>
-          <a:lstStyle/>
-          <a:p>
-            <a:fld id="{BC107AEB-194C-44B0-AF24-25F433C29CAA}" type="slidenum">
-              <a:rPr lang="en-GB" smtClean="0"/>
-              <a:t>11</a:t>
-            </a:fld>
-            <a:endParaRPr lang="en-GB"/>
-          </a:p>
-        </p:txBody>
-      </p:sp>
-    </p:spTree>
-    <p:extLst>
-      <p:ext uri="{BB962C8B-B14F-4D97-AF65-F5344CB8AC3E}">
-        <p14:creationId xmlns:p14="http://schemas.microsoft.com/office/powerpoint/2010/main" val="349691877"/>
-      </p:ext>
-    </p:extLst>
-  </p:cSld>
-  <p:clrMapOvr>
-    <a:masterClrMapping/>
-  </p:clrMapOvr>
-</p:notes>
-</file>
-
-<file path=ppt/notesSlides/notesSlide12.xml><?xml version="1.0" encoding="utf-8"?>
-<p:notes xmlns:a="http://schemas.openxmlformats.org/drawingml/2006/main" xmlns:r="http://schemas.openxmlformats.org/officeDocument/2006/relationships" xmlns:p="http://schemas.openxmlformats.org/presentationml/2006/main">
-  <p:cSld>
-    <p:spTree>
-      <p:nvGrpSpPr>
-        <p:cNvPr id="1" name=""/>
-        <p:cNvGrpSpPr/>
-        <p:nvPr/>
-      </p:nvGrpSpPr>
-      <p:grpSpPr>
-        <a:xfrm>
-          <a:off x="0" y="0"/>
-          <a:ext cx="0" cy="0"/>
-          <a:chOff x="0" y="0"/>
-          <a:chExt cx="0" cy="0"/>
-        </a:xfrm>
-      </p:grpSpPr>
-      <p:sp>
-        <p:nvSpPr>
-          <p:cNvPr id="2" name="Slide Image Placeholder 1"/>
-          <p:cNvSpPr>
-            <a:spLocks noGrp="1" noRot="1" noChangeAspect="1"/>
-          </p:cNvSpPr>
-          <p:nvPr>
-            <p:ph type="sldImg"/>
-          </p:nvPr>
-        </p:nvSpPr>
-        <p:spPr/>
-      </p:sp>
-      <p:sp>
-        <p:nvSpPr>
-          <p:cNvPr id="3" name="Notes Placeholder 2"/>
-          <p:cNvSpPr>
-            <a:spLocks noGrp="1"/>
-          </p:cNvSpPr>
-          <p:nvPr>
-            <p:ph type="body" idx="1"/>
-          </p:nvPr>
-        </p:nvSpPr>
-        <p:spPr/>
-        <p:txBody>
-          <a:bodyPr/>
-          <a:lstStyle/>
-          <a:p>
-            <a:endParaRPr lang="en-GB" dirty="0"/>
-          </a:p>
-        </p:txBody>
-      </p:sp>
-      <p:sp>
-        <p:nvSpPr>
-          <p:cNvPr id="4" name="Slide Number Placeholder 3"/>
-          <p:cNvSpPr>
-            <a:spLocks noGrp="1"/>
-          </p:cNvSpPr>
-          <p:nvPr>
-            <p:ph type="sldNum" sz="quarter" idx="5"/>
-          </p:nvPr>
-        </p:nvSpPr>
-        <p:spPr/>
-        <p:txBody>
-          <a:bodyPr/>
-          <a:lstStyle/>
-          <a:p>
-            <a:fld id="{BC107AEB-194C-44B0-AF24-25F433C29CAA}" type="slidenum">
-              <a:rPr lang="en-GB" smtClean="0"/>
-              <a:t>12</a:t>
-            </a:fld>
-            <a:endParaRPr lang="en-GB"/>
-          </a:p>
-        </p:txBody>
-      </p:sp>
-    </p:spTree>
-    <p:extLst>
-      <p:ext uri="{BB962C8B-B14F-4D97-AF65-F5344CB8AC3E}">
-        <p14:creationId xmlns:p14="http://schemas.microsoft.com/office/powerpoint/2010/main" val="2674433606"/>
-      </p:ext>
-    </p:extLst>
-  </p:cSld>
-  <p:clrMapOvr>
-    <a:masterClrMapping/>
-  </p:clrMapOvr>
-</p:notes>
-</file>
-
-<file path=ppt/notesSlides/notesSlide13.xml><?xml version="1.0" encoding="utf-8"?>
-<p:notes xmlns:a="http://schemas.openxmlformats.org/drawingml/2006/main" xmlns:r="http://schemas.openxmlformats.org/officeDocument/2006/relationships" xmlns:p="http://schemas.openxmlformats.org/presentationml/2006/main">
-  <p:cSld>
-    <p:spTree>
-      <p:nvGrpSpPr>
-        <p:cNvPr id="1" name=""/>
-        <p:cNvGrpSpPr/>
-        <p:nvPr/>
-      </p:nvGrpSpPr>
-      <p:grpSpPr>
-        <a:xfrm>
-          <a:off x="0" y="0"/>
-          <a:ext cx="0" cy="0"/>
-          <a:chOff x="0" y="0"/>
-          <a:chExt cx="0" cy="0"/>
-        </a:xfrm>
-      </p:grpSpPr>
-      <p:sp>
-        <p:nvSpPr>
-          <p:cNvPr id="2" name="Slide Image Placeholder 1"/>
-          <p:cNvSpPr>
-            <a:spLocks noGrp="1" noRot="1" noChangeAspect="1"/>
-          </p:cNvSpPr>
-          <p:nvPr>
-            <p:ph type="sldImg"/>
-          </p:nvPr>
-        </p:nvSpPr>
-        <p:spPr/>
-      </p:sp>
-      <p:sp>
-        <p:nvSpPr>
-          <p:cNvPr id="3" name="Notes Placeholder 2"/>
-          <p:cNvSpPr>
-            <a:spLocks noGrp="1"/>
-          </p:cNvSpPr>
-          <p:nvPr>
-            <p:ph type="body" idx="1"/>
-          </p:nvPr>
-        </p:nvSpPr>
-        <p:spPr/>
-        <p:txBody>
-          <a:bodyPr/>
-          <a:lstStyle/>
-          <a:p>
-            <a:endParaRPr lang="en-GB" dirty="0"/>
-          </a:p>
-        </p:txBody>
-      </p:sp>
-      <p:sp>
-        <p:nvSpPr>
-          <p:cNvPr id="4" name="Slide Number Placeholder 3"/>
-          <p:cNvSpPr>
-            <a:spLocks noGrp="1"/>
-          </p:cNvSpPr>
-          <p:nvPr>
-            <p:ph type="sldNum" sz="quarter" idx="5"/>
-          </p:nvPr>
-        </p:nvSpPr>
-        <p:spPr/>
-        <p:txBody>
-          <a:bodyPr/>
-          <a:lstStyle/>
-          <a:p>
-            <a:fld id="{BC107AEB-194C-44B0-AF24-25F433C29CAA}" type="slidenum">
-              <a:rPr lang="en-GB" smtClean="0"/>
-              <a:t>13</a:t>
-            </a:fld>
-            <a:endParaRPr lang="en-GB"/>
-          </a:p>
-        </p:txBody>
-      </p:sp>
-    </p:spTree>
-    <p:extLst>
-      <p:ext uri="{BB962C8B-B14F-4D97-AF65-F5344CB8AC3E}">
-        <p14:creationId xmlns:p14="http://schemas.microsoft.com/office/powerpoint/2010/main" val="1264264100"/>
-      </p:ext>
-    </p:extLst>
-  </p:cSld>
-  <p:clrMapOvr>
-    <a:masterClrMapping/>
-  </p:clrMapOvr>
-</p:notes>
-</file>
-
-<file path=ppt/notesSlides/notesSlide14.xml><?xml version="1.0" encoding="utf-8"?>
-<p:notes xmlns:a="http://schemas.openxmlformats.org/drawingml/2006/main" xmlns:r="http://schemas.openxmlformats.org/officeDocument/2006/relationships" xmlns:p="http://schemas.openxmlformats.org/presentationml/2006/main">
-  <p:cSld>
-    <p:spTree>
-      <p:nvGrpSpPr>
-        <p:cNvPr id="1" name=""/>
-        <p:cNvGrpSpPr/>
-        <p:nvPr/>
-      </p:nvGrpSpPr>
-      <p:grpSpPr>
-        <a:xfrm>
-          <a:off x="0" y="0"/>
-          <a:ext cx="0" cy="0"/>
-          <a:chOff x="0" y="0"/>
-          <a:chExt cx="0" cy="0"/>
-        </a:xfrm>
-      </p:grpSpPr>
-      <p:sp>
-        <p:nvSpPr>
-          <p:cNvPr id="2" name="Slide Image Placeholder 1"/>
-          <p:cNvSpPr>
-            <a:spLocks noGrp="1" noRot="1" noChangeAspect="1"/>
-          </p:cNvSpPr>
-          <p:nvPr>
-            <p:ph type="sldImg"/>
-          </p:nvPr>
-        </p:nvSpPr>
-        <p:spPr/>
-      </p:sp>
-      <p:sp>
-        <p:nvSpPr>
-          <p:cNvPr id="3" name="Notes Placeholder 2"/>
-          <p:cNvSpPr>
-            <a:spLocks noGrp="1"/>
-          </p:cNvSpPr>
-          <p:nvPr>
-            <p:ph type="body" idx="1"/>
-          </p:nvPr>
-        </p:nvSpPr>
-        <p:spPr/>
-        <p:txBody>
-          <a:bodyPr/>
-          <a:lstStyle/>
-          <a:p>
-            <a:endParaRPr lang="en-GB" dirty="0"/>
-          </a:p>
-        </p:txBody>
-      </p:sp>
-      <p:sp>
-        <p:nvSpPr>
-          <p:cNvPr id="4" name="Slide Number Placeholder 3"/>
-          <p:cNvSpPr>
-            <a:spLocks noGrp="1"/>
-          </p:cNvSpPr>
-          <p:nvPr>
-            <p:ph type="sldNum" sz="quarter" idx="5"/>
-          </p:nvPr>
-        </p:nvSpPr>
-        <p:spPr/>
-        <p:txBody>
-          <a:bodyPr/>
-          <a:lstStyle/>
-          <a:p>
-            <a:fld id="{BC107AEB-194C-44B0-AF24-25F433C29CAA}" type="slidenum">
-              <a:rPr lang="en-GB" smtClean="0"/>
-              <a:t>14</a:t>
             </a:fld>
             <a:endParaRPr lang="en-GB"/>
           </a:p>
@@ -1067,7 +727,7 @@
     </p:spTree>
     <p:extLst>
       <p:ext uri="{BB962C8B-B14F-4D97-AF65-F5344CB8AC3E}">
-        <p14:creationId xmlns:p14="http://schemas.microsoft.com/office/powerpoint/2010/main" val="1088355849"/>
+        <p14:creationId xmlns:p14="http://schemas.microsoft.com/office/powerpoint/2010/main" val="696647017"/>
       </p:ext>
     </p:extLst>
   </p:cSld>
@@ -1151,7 +811,7 @@
     </p:spTree>
     <p:extLst>
       <p:ext uri="{BB962C8B-B14F-4D97-AF65-F5344CB8AC3E}">
-        <p14:creationId xmlns:p14="http://schemas.microsoft.com/office/powerpoint/2010/main" val="876739124"/>
+        <p14:creationId xmlns:p14="http://schemas.microsoft.com/office/powerpoint/2010/main" val="4007266222"/>
       </p:ext>
     </p:extLst>
   </p:cSld>
@@ -1235,7 +895,7 @@
     </p:spTree>
     <p:extLst>
       <p:ext uri="{BB962C8B-B14F-4D97-AF65-F5344CB8AC3E}">
-        <p14:creationId xmlns:p14="http://schemas.microsoft.com/office/powerpoint/2010/main" val="3997167913"/>
+        <p14:creationId xmlns:p14="http://schemas.microsoft.com/office/powerpoint/2010/main" val="2698116233"/>
       </p:ext>
     </p:extLst>
   </p:cSld>
@@ -1319,7 +979,7 @@
     </p:spTree>
     <p:extLst>
       <p:ext uri="{BB962C8B-B14F-4D97-AF65-F5344CB8AC3E}">
-        <p14:creationId xmlns:p14="http://schemas.microsoft.com/office/powerpoint/2010/main" val="1306165310"/>
+        <p14:creationId xmlns:p14="http://schemas.microsoft.com/office/powerpoint/2010/main" val="69633964"/>
       </p:ext>
     </p:extLst>
   </p:cSld>
@@ -1403,7 +1063,7 @@
     </p:spTree>
     <p:extLst>
       <p:ext uri="{BB962C8B-B14F-4D97-AF65-F5344CB8AC3E}">
-        <p14:creationId xmlns:p14="http://schemas.microsoft.com/office/powerpoint/2010/main" val="696647017"/>
+        <p14:creationId xmlns:p14="http://schemas.microsoft.com/office/powerpoint/2010/main" val="244895095"/>
       </p:ext>
     </p:extLst>
   </p:cSld>
@@ -1487,7 +1147,7 @@
     </p:spTree>
     <p:extLst>
       <p:ext uri="{BB962C8B-B14F-4D97-AF65-F5344CB8AC3E}">
-        <p14:creationId xmlns:p14="http://schemas.microsoft.com/office/powerpoint/2010/main" val="4007266222"/>
+        <p14:creationId xmlns:p14="http://schemas.microsoft.com/office/powerpoint/2010/main" val="349691877"/>
       </p:ext>
     </p:extLst>
   </p:cSld>
@@ -1571,7 +1231,7 @@
     </p:spTree>
     <p:extLst>
       <p:ext uri="{BB962C8B-B14F-4D97-AF65-F5344CB8AC3E}">
-        <p14:creationId xmlns:p14="http://schemas.microsoft.com/office/powerpoint/2010/main" val="2698116233"/>
+        <p14:creationId xmlns:p14="http://schemas.microsoft.com/office/powerpoint/2010/main" val="2674433606"/>
       </p:ext>
     </p:extLst>
   </p:cSld>
@@ -1655,7 +1315,7 @@
     </p:spTree>
     <p:extLst>
       <p:ext uri="{BB962C8B-B14F-4D97-AF65-F5344CB8AC3E}">
-        <p14:creationId xmlns:p14="http://schemas.microsoft.com/office/powerpoint/2010/main" val="69633964"/>
+        <p14:creationId xmlns:p14="http://schemas.microsoft.com/office/powerpoint/2010/main" val="1264264100"/>
       </p:ext>
     </p:extLst>
   </p:cSld>
@@ -1838,7 +1498,7 @@
           <a:p>
             <a:fld id="{B4C71EC6-210F-42DE-9C53-41977AD35B3D}" type="datetimeFigureOut">
               <a:rPr lang="ru-RU" smtClean="0"/>
-              <a:t>14.03.2023</a:t>
+              <a:t>17.03.2023</a:t>
             </a:fld>
             <a:endParaRPr lang="ru-RU"/>
           </a:p>
@@ -2003,7 +1663,7 @@
           <a:p>
             <a:fld id="{B4C71EC6-210F-42DE-9C53-41977AD35B3D}" type="datetimeFigureOut">
               <a:rPr lang="ru-RU" smtClean="0"/>
-              <a:t>14.03.2023</a:t>
+              <a:t>17.03.2023</a:t>
             </a:fld>
             <a:endParaRPr lang="ru-RU"/>
           </a:p>
@@ -2178,7 +1838,7 @@
           <a:p>
             <a:fld id="{B4C71EC6-210F-42DE-9C53-41977AD35B3D}" type="datetimeFigureOut">
               <a:rPr lang="ru-RU" smtClean="0"/>
-              <a:t>14.03.2023</a:t>
+              <a:t>17.03.2023</a:t>
             </a:fld>
             <a:endParaRPr lang="ru-RU"/>
           </a:p>
@@ -2343,7 +2003,7 @@
           <a:p>
             <a:fld id="{B4C71EC6-210F-42DE-9C53-41977AD35B3D}" type="datetimeFigureOut">
               <a:rPr lang="ru-RU" smtClean="0"/>
-              <a:t>14.03.2023</a:t>
+              <a:t>17.03.2023</a:t>
             </a:fld>
             <a:endParaRPr lang="ru-RU"/>
           </a:p>
@@ -2585,7 +2245,7 @@
           <a:p>
             <a:fld id="{B4C71EC6-210F-42DE-9C53-41977AD35B3D}" type="datetimeFigureOut">
               <a:rPr lang="ru-RU" smtClean="0"/>
-              <a:t>14.03.2023</a:t>
+              <a:t>17.03.2023</a:t>
             </a:fld>
             <a:endParaRPr lang="ru-RU"/>
           </a:p>
@@ -2849,7 +2509,7 @@
           <a:p>
             <a:fld id="{B4C71EC6-210F-42DE-9C53-41977AD35B3D}" type="datetimeFigureOut">
               <a:rPr lang="ru-RU" smtClean="0"/>
-              <a:t>14.03.2023</a:t>
+              <a:t>17.03.2023</a:t>
             </a:fld>
             <a:endParaRPr lang="ru-RU"/>
           </a:p>
@@ -3227,7 +2887,7 @@
           <a:p>
             <a:fld id="{B4C71EC6-210F-42DE-9C53-41977AD35B3D}" type="datetimeFigureOut">
               <a:rPr lang="ru-RU" smtClean="0"/>
-              <a:t>14.03.2023</a:t>
+              <a:t>17.03.2023</a:t>
             </a:fld>
             <a:endParaRPr lang="ru-RU"/>
           </a:p>
@@ -3377,7 +3037,7 @@
           <a:p>
             <a:fld id="{B4C71EC6-210F-42DE-9C53-41977AD35B3D}" type="datetimeFigureOut">
               <a:rPr lang="ru-RU" smtClean="0"/>
-              <a:t>14.03.2023</a:t>
+              <a:t>17.03.2023</a:t>
             </a:fld>
             <a:endParaRPr lang="ru-RU"/>
           </a:p>
@@ -3467,7 +3127,7 @@
           <a:p>
             <a:fld id="{B4C71EC6-210F-42DE-9C53-41977AD35B3D}" type="datetimeFigureOut">
               <a:rPr lang="ru-RU" smtClean="0"/>
-              <a:t>14.03.2023</a:t>
+              <a:t>17.03.2023</a:t>
             </a:fld>
             <a:endParaRPr lang="ru-RU"/>
           </a:p>
@@ -3728,7 +3388,7 @@
           <a:p>
             <a:fld id="{B4C71EC6-210F-42DE-9C53-41977AD35B3D}" type="datetimeFigureOut">
               <a:rPr lang="ru-RU" smtClean="0"/>
-              <a:t>14.03.2023</a:t>
+              <a:t>17.03.2023</a:t>
             </a:fld>
             <a:endParaRPr lang="ru-RU"/>
           </a:p>
@@ -4016,7 +3676,7 @@
           <a:p>
             <a:fld id="{B4C71EC6-210F-42DE-9C53-41977AD35B3D}" type="datetimeFigureOut">
               <a:rPr lang="ru-RU" smtClean="0"/>
-              <a:t>14.03.2023</a:t>
+              <a:t>17.03.2023</a:t>
             </a:fld>
             <a:endParaRPr lang="ru-RU"/>
           </a:p>
@@ -4787,7 +4447,7 @@
           <a:p>
             <a:fld id="{B4C71EC6-210F-42DE-9C53-41977AD35B3D}" type="datetimeFigureOut">
               <a:rPr lang="ru-RU" smtClean="0"/>
-              <a:t>14.03.2023</a:t>
+              <a:t>17.03.2023</a:t>
             </a:fld>
             <a:endParaRPr lang="ru-RU"/>
           </a:p>
@@ -5435,1083 +5095,6 @@
           <a:p>
             <a:r>
               <a:rPr lang="en-US" sz="4500" dirty="0"/>
-              <a:t>SQL Dirty Read</a:t>
-            </a:r>
-            <a:endParaRPr lang="en-GB" sz="4500" dirty="0"/>
-          </a:p>
-        </p:txBody>
-      </p:sp>
-      <p:pic>
-        <p:nvPicPr>
-          <p:cNvPr id="3074" name="Picture 2" descr="https://vladmihalcea.com/wp-content/uploads/2018/05/DirtyRead-1024x560.png">
-            <a:extLst>
-              <a:ext uri="{FF2B5EF4-FFF2-40B4-BE49-F238E27FC236}">
-                <a16:creationId xmlns:a16="http://schemas.microsoft.com/office/drawing/2014/main" id="{9AD2D79E-A24C-4315-99C8-64A2321339A8}"/>
-              </a:ext>
-            </a:extLst>
-          </p:cNvPr>
-          <p:cNvPicPr>
-            <a:picLocks noChangeAspect="1" noChangeArrowheads="1"/>
-          </p:cNvPicPr>
-          <p:nvPr/>
-        </p:nvPicPr>
-        <p:blipFill>
-          <a:blip r:embed="rId3">
-            <a:extLst>
-              <a:ext uri="{28A0092B-C50C-407E-A947-70E740481C1C}">
-                <a14:useLocalDpi xmlns:a14="http://schemas.microsoft.com/office/drawing/2010/main" val="0"/>
-              </a:ext>
-            </a:extLst>
-          </a:blip>
-          <a:srcRect/>
-          <a:stretch>
-            <a:fillRect/>
-          </a:stretch>
-        </p:blipFill>
-        <p:spPr bwMode="auto">
-          <a:xfrm>
-            <a:off x="457200" y="1484784"/>
-            <a:ext cx="8222298" cy="4496569"/>
-          </a:xfrm>
-          <a:prstGeom prst="rect">
-            <a:avLst/>
-          </a:prstGeom>
-          <a:noFill/>
-          <a:extLst>
-            <a:ext uri="{909E8E84-426E-40DD-AFC4-6F175D3DCCD1}">
-              <a14:hiddenFill xmlns:a14="http://schemas.microsoft.com/office/drawing/2010/main">
-                <a:solidFill>
-                  <a:srgbClr val="FFFFFF"/>
-                </a:solidFill>
-              </a14:hiddenFill>
-            </a:ext>
-          </a:extLst>
-        </p:spPr>
-      </p:pic>
-    </p:spTree>
-    <p:extLst>
-      <p:ext uri="{BB962C8B-B14F-4D97-AF65-F5344CB8AC3E}">
-        <p14:creationId xmlns:p14="http://schemas.microsoft.com/office/powerpoint/2010/main" val="250175977"/>
-      </p:ext>
-    </p:extLst>
-  </p:cSld>
-  <p:clrMapOvr>
-    <a:masterClrMapping/>
-  </p:clrMapOvr>
-</p:sld>
-</file>
-
-<file path=ppt/slides/slide10.xml><?xml version="1.0" encoding="utf-8"?>
-<p:sld xmlns:a="http://schemas.openxmlformats.org/drawingml/2006/main" xmlns:r="http://schemas.openxmlformats.org/officeDocument/2006/relationships" xmlns:p="http://schemas.openxmlformats.org/presentationml/2006/main">
-  <p:cSld>
-    <p:spTree>
-      <p:nvGrpSpPr>
-        <p:cNvPr id="1" name=""/>
-        <p:cNvGrpSpPr/>
-        <p:nvPr/>
-      </p:nvGrpSpPr>
-      <p:grpSpPr>
-        <a:xfrm>
-          <a:off x="0" y="0"/>
-          <a:ext cx="0" cy="0"/>
-          <a:chOff x="0" y="0"/>
-          <a:chExt cx="0" cy="0"/>
-        </a:xfrm>
-      </p:grpSpPr>
-      <p:sp>
-        <p:nvSpPr>
-          <p:cNvPr id="2" name="Title 1">
-            <a:extLst>
-              <a:ext uri="{FF2B5EF4-FFF2-40B4-BE49-F238E27FC236}">
-                <a16:creationId xmlns:a16="http://schemas.microsoft.com/office/drawing/2014/main" id="{13FA08C1-73B6-4F7A-B587-9970420A2F33}"/>
-              </a:ext>
-            </a:extLst>
-          </p:cNvPr>
-          <p:cNvSpPr>
-            <a:spLocks noGrp="1"/>
-          </p:cNvSpPr>
-          <p:nvPr>
-            <p:ph type="title"/>
-          </p:nvPr>
-        </p:nvSpPr>
-        <p:spPr>
-          <a:xfrm>
-            <a:off x="457200" y="704088"/>
-            <a:ext cx="8229600" cy="780696"/>
-          </a:xfrm>
-        </p:spPr>
-        <p:txBody>
-          <a:bodyPr>
-            <a:normAutofit/>
-          </a:bodyPr>
-          <a:lstStyle/>
-          <a:p>
-            <a:r>
-              <a:rPr lang="en-US" sz="4500" dirty="0"/>
-              <a:t>Entity lifecycle</a:t>
-            </a:r>
-            <a:endParaRPr lang="en-GB" sz="4500" dirty="0"/>
-          </a:p>
-        </p:txBody>
-      </p:sp>
-      <p:pic>
-        <p:nvPicPr>
-          <p:cNvPr id="6148" name="Picture 4" descr="https://javabydeveloper.com/wp-content/uploads/2020/11/jpa-entity-lifecycle-1024x576.png?ezimgfmt=rs:696x392/rscb330/ngcb330/notWebP">
-            <a:extLst>
-              <a:ext uri="{FF2B5EF4-FFF2-40B4-BE49-F238E27FC236}">
-                <a16:creationId xmlns:a16="http://schemas.microsoft.com/office/drawing/2014/main" id="{71AC02F2-84F3-4A8A-BC3C-F7250CF1D3CB}"/>
-              </a:ext>
-            </a:extLst>
-          </p:cNvPr>
-          <p:cNvPicPr>
-            <a:picLocks noChangeAspect="1" noChangeArrowheads="1"/>
-          </p:cNvPicPr>
-          <p:nvPr/>
-        </p:nvPicPr>
-        <p:blipFill rotWithShape="1">
-          <a:blip r:embed="rId3">
-            <a:extLst>
-              <a:ext uri="{28A0092B-C50C-407E-A947-70E740481C1C}">
-                <a14:useLocalDpi xmlns:a14="http://schemas.microsoft.com/office/drawing/2010/main" val="0"/>
-              </a:ext>
-            </a:extLst>
-          </a:blip>
-          <a:srcRect l="8689" t="7734" r="9846" b="9127"/>
-          <a:stretch/>
-        </p:blipFill>
-        <p:spPr bwMode="auto">
-          <a:xfrm>
-            <a:off x="427353" y="1700808"/>
-            <a:ext cx="8289293" cy="4752528"/>
-          </a:xfrm>
-          <a:prstGeom prst="rect">
-            <a:avLst/>
-          </a:prstGeom>
-          <a:noFill/>
-          <a:extLst>
-            <a:ext uri="{909E8E84-426E-40DD-AFC4-6F175D3DCCD1}">
-              <a14:hiddenFill xmlns:a14="http://schemas.microsoft.com/office/drawing/2010/main">
-                <a:solidFill>
-                  <a:srgbClr val="FFFFFF"/>
-                </a:solidFill>
-              </a14:hiddenFill>
-            </a:ext>
-          </a:extLst>
-        </p:spPr>
-      </p:pic>
-    </p:spTree>
-    <p:extLst>
-      <p:ext uri="{BB962C8B-B14F-4D97-AF65-F5344CB8AC3E}">
-        <p14:creationId xmlns:p14="http://schemas.microsoft.com/office/powerpoint/2010/main" val="924892523"/>
-      </p:ext>
-    </p:extLst>
-  </p:cSld>
-  <p:clrMapOvr>
-    <a:masterClrMapping/>
-  </p:clrMapOvr>
-</p:sld>
-</file>
-
-<file path=ppt/slides/slide11.xml><?xml version="1.0" encoding="utf-8"?>
-<p:sld xmlns:a="http://schemas.openxmlformats.org/drawingml/2006/main" xmlns:r="http://schemas.openxmlformats.org/officeDocument/2006/relationships" xmlns:p="http://schemas.openxmlformats.org/presentationml/2006/main">
-  <p:cSld>
-    <p:spTree>
-      <p:nvGrpSpPr>
-        <p:cNvPr id="1" name=""/>
-        <p:cNvGrpSpPr/>
-        <p:nvPr/>
-      </p:nvGrpSpPr>
-      <p:grpSpPr>
-        <a:xfrm>
-          <a:off x="0" y="0"/>
-          <a:ext cx="0" cy="0"/>
-          <a:chOff x="0" y="0"/>
-          <a:chExt cx="0" cy="0"/>
-        </a:xfrm>
-      </p:grpSpPr>
-      <p:sp>
-        <p:nvSpPr>
-          <p:cNvPr id="2" name="Title 1">
-            <a:extLst>
-              <a:ext uri="{FF2B5EF4-FFF2-40B4-BE49-F238E27FC236}">
-                <a16:creationId xmlns:a16="http://schemas.microsoft.com/office/drawing/2014/main" id="{13FA08C1-73B6-4F7A-B587-9970420A2F33}"/>
-              </a:ext>
-            </a:extLst>
-          </p:cNvPr>
-          <p:cNvSpPr>
-            <a:spLocks noGrp="1"/>
-          </p:cNvSpPr>
-          <p:nvPr>
-            <p:ph type="title"/>
-          </p:nvPr>
-        </p:nvSpPr>
-        <p:spPr>
-          <a:xfrm>
-            <a:off x="457200" y="704088"/>
-            <a:ext cx="8229600" cy="780696"/>
-          </a:xfrm>
-        </p:spPr>
-        <p:txBody>
-          <a:bodyPr>
-            <a:normAutofit/>
-          </a:bodyPr>
-          <a:lstStyle/>
-          <a:p>
-            <a:r>
-              <a:rPr lang="en-US" sz="4500" dirty="0"/>
-              <a:t>@</a:t>
-            </a:r>
-            <a:r>
-              <a:rPr lang="en-US" sz="4500" dirty="0" err="1"/>
-              <a:t>OneToOne</a:t>
-            </a:r>
-            <a:endParaRPr lang="en-GB" sz="4500" dirty="0"/>
-          </a:p>
-        </p:txBody>
-      </p:sp>
-      <p:pic>
-        <p:nvPicPr>
-          <p:cNvPr id="4" name="Picture 3">
-            <a:extLst>
-              <a:ext uri="{FF2B5EF4-FFF2-40B4-BE49-F238E27FC236}">
-                <a16:creationId xmlns:a16="http://schemas.microsoft.com/office/drawing/2014/main" id="{91A0A25D-E9D4-4E35-8CAA-B78C001B6A0E}"/>
-              </a:ext>
-            </a:extLst>
-          </p:cNvPr>
-          <p:cNvPicPr>
-            <a:picLocks noChangeAspect="1"/>
-          </p:cNvPicPr>
-          <p:nvPr/>
-        </p:nvPicPr>
-        <p:blipFill>
-          <a:blip r:embed="rId3"/>
-          <a:stretch>
-            <a:fillRect/>
-          </a:stretch>
-        </p:blipFill>
-        <p:spPr>
-          <a:xfrm>
-            <a:off x="457200" y="1484784"/>
-            <a:ext cx="2713223" cy="5257977"/>
-          </a:xfrm>
-          <a:prstGeom prst="rect">
-            <a:avLst/>
-          </a:prstGeom>
-        </p:spPr>
-      </p:pic>
-      <p:pic>
-        <p:nvPicPr>
-          <p:cNvPr id="6" name="Picture 5">
-            <a:extLst>
-              <a:ext uri="{FF2B5EF4-FFF2-40B4-BE49-F238E27FC236}">
-                <a16:creationId xmlns:a16="http://schemas.microsoft.com/office/drawing/2014/main" id="{A76F1FC2-AC6E-470F-99C9-22EB12BE1F17}"/>
-              </a:ext>
-            </a:extLst>
-          </p:cNvPr>
-          <p:cNvPicPr>
-            <a:picLocks noChangeAspect="1"/>
-          </p:cNvPicPr>
-          <p:nvPr/>
-        </p:nvPicPr>
-        <p:blipFill rotWithShape="1">
-          <a:blip r:embed="rId4"/>
-          <a:srcRect b="4871"/>
-          <a:stretch/>
-        </p:blipFill>
-        <p:spPr>
-          <a:xfrm>
-            <a:off x="5772150" y="1484785"/>
-            <a:ext cx="2914650" cy="5373216"/>
-          </a:xfrm>
-          <a:prstGeom prst="rect">
-            <a:avLst/>
-          </a:prstGeom>
-        </p:spPr>
-      </p:pic>
-    </p:spTree>
-    <p:extLst>
-      <p:ext uri="{BB962C8B-B14F-4D97-AF65-F5344CB8AC3E}">
-        <p14:creationId xmlns:p14="http://schemas.microsoft.com/office/powerpoint/2010/main" val="2694965699"/>
-      </p:ext>
-    </p:extLst>
-  </p:cSld>
-  <p:clrMapOvr>
-    <a:masterClrMapping/>
-  </p:clrMapOvr>
-</p:sld>
-</file>
-
-<file path=ppt/slides/slide12.xml><?xml version="1.0" encoding="utf-8"?>
-<p:sld xmlns:a="http://schemas.openxmlformats.org/drawingml/2006/main" xmlns:r="http://schemas.openxmlformats.org/officeDocument/2006/relationships" xmlns:p="http://schemas.openxmlformats.org/presentationml/2006/main">
-  <p:cSld>
-    <p:spTree>
-      <p:nvGrpSpPr>
-        <p:cNvPr id="1" name=""/>
-        <p:cNvGrpSpPr/>
-        <p:nvPr/>
-      </p:nvGrpSpPr>
-      <p:grpSpPr>
-        <a:xfrm>
-          <a:off x="0" y="0"/>
-          <a:ext cx="0" cy="0"/>
-          <a:chOff x="0" y="0"/>
-          <a:chExt cx="0" cy="0"/>
-        </a:xfrm>
-      </p:grpSpPr>
-      <p:sp>
-        <p:nvSpPr>
-          <p:cNvPr id="2" name="Title 1">
-            <a:extLst>
-              <a:ext uri="{FF2B5EF4-FFF2-40B4-BE49-F238E27FC236}">
-                <a16:creationId xmlns:a16="http://schemas.microsoft.com/office/drawing/2014/main" id="{13FA08C1-73B6-4F7A-B587-9970420A2F33}"/>
-              </a:ext>
-            </a:extLst>
-          </p:cNvPr>
-          <p:cNvSpPr>
-            <a:spLocks noGrp="1"/>
-          </p:cNvSpPr>
-          <p:nvPr>
-            <p:ph type="title"/>
-          </p:nvPr>
-        </p:nvSpPr>
-        <p:spPr>
-          <a:xfrm>
-            <a:off x="457200" y="704088"/>
-            <a:ext cx="8229600" cy="780696"/>
-          </a:xfrm>
-        </p:spPr>
-        <p:txBody>
-          <a:bodyPr>
-            <a:normAutofit/>
-          </a:bodyPr>
-          <a:lstStyle/>
-          <a:p>
-            <a:r>
-              <a:rPr lang="en-US" sz="4500" dirty="0"/>
-              <a:t>@</a:t>
-            </a:r>
-            <a:r>
-              <a:rPr lang="en-US" sz="4500" dirty="0" err="1"/>
-              <a:t>OneToMany</a:t>
-            </a:r>
-            <a:r>
-              <a:rPr lang="en-US" sz="4500" dirty="0"/>
-              <a:t> (@</a:t>
-            </a:r>
-            <a:r>
-              <a:rPr lang="en-US" sz="4500" dirty="0" err="1"/>
-              <a:t>ManyToOne</a:t>
-            </a:r>
-            <a:r>
-              <a:rPr lang="en-US" sz="4500" dirty="0"/>
-              <a:t>)</a:t>
-            </a:r>
-            <a:endParaRPr lang="en-GB" sz="4500" dirty="0"/>
-          </a:p>
-        </p:txBody>
-      </p:sp>
-      <p:pic>
-        <p:nvPicPr>
-          <p:cNvPr id="5" name="Picture 4">
-            <a:extLst>
-              <a:ext uri="{FF2B5EF4-FFF2-40B4-BE49-F238E27FC236}">
-                <a16:creationId xmlns:a16="http://schemas.microsoft.com/office/drawing/2014/main" id="{6AA62A19-60B2-410D-BD18-5C11CAE26C0C}"/>
-              </a:ext>
-            </a:extLst>
-          </p:cNvPr>
-          <p:cNvPicPr>
-            <a:picLocks noChangeAspect="1"/>
-          </p:cNvPicPr>
-          <p:nvPr/>
-        </p:nvPicPr>
-        <p:blipFill>
-          <a:blip r:embed="rId3"/>
-          <a:stretch>
-            <a:fillRect/>
-          </a:stretch>
-        </p:blipFill>
-        <p:spPr>
-          <a:xfrm>
-            <a:off x="5848350" y="1484784"/>
-            <a:ext cx="2838450" cy="4848225"/>
-          </a:xfrm>
-          <a:prstGeom prst="rect">
-            <a:avLst/>
-          </a:prstGeom>
-        </p:spPr>
-      </p:pic>
-      <p:pic>
-        <p:nvPicPr>
-          <p:cNvPr id="8" name="Picture 7">
-            <a:extLst>
-              <a:ext uri="{FF2B5EF4-FFF2-40B4-BE49-F238E27FC236}">
-                <a16:creationId xmlns:a16="http://schemas.microsoft.com/office/drawing/2014/main" id="{3DB6300C-DDB0-4A3D-A4C0-C42146EC3532}"/>
-              </a:ext>
-            </a:extLst>
-          </p:cNvPr>
-          <p:cNvPicPr>
-            <a:picLocks noChangeAspect="1"/>
-          </p:cNvPicPr>
-          <p:nvPr/>
-        </p:nvPicPr>
-        <p:blipFill>
-          <a:blip r:embed="rId4"/>
-          <a:stretch>
-            <a:fillRect/>
-          </a:stretch>
-        </p:blipFill>
-        <p:spPr>
-          <a:xfrm>
-            <a:off x="457200" y="1484784"/>
-            <a:ext cx="2838450" cy="4229100"/>
-          </a:xfrm>
-          <a:prstGeom prst="rect">
-            <a:avLst/>
-          </a:prstGeom>
-        </p:spPr>
-      </p:pic>
-    </p:spTree>
-    <p:extLst>
-      <p:ext uri="{BB962C8B-B14F-4D97-AF65-F5344CB8AC3E}">
-        <p14:creationId xmlns:p14="http://schemas.microsoft.com/office/powerpoint/2010/main" val="3666439719"/>
-      </p:ext>
-    </p:extLst>
-  </p:cSld>
-  <p:clrMapOvr>
-    <a:masterClrMapping/>
-  </p:clrMapOvr>
-</p:sld>
-</file>
-
-<file path=ppt/slides/slide13.xml><?xml version="1.0" encoding="utf-8"?>
-<p:sld xmlns:a="http://schemas.openxmlformats.org/drawingml/2006/main" xmlns:r="http://schemas.openxmlformats.org/officeDocument/2006/relationships" xmlns:p="http://schemas.openxmlformats.org/presentationml/2006/main">
-  <p:cSld>
-    <p:spTree>
-      <p:nvGrpSpPr>
-        <p:cNvPr id="1" name=""/>
-        <p:cNvGrpSpPr/>
-        <p:nvPr/>
-      </p:nvGrpSpPr>
-      <p:grpSpPr>
-        <a:xfrm>
-          <a:off x="0" y="0"/>
-          <a:ext cx="0" cy="0"/>
-          <a:chOff x="0" y="0"/>
-          <a:chExt cx="0" cy="0"/>
-        </a:xfrm>
-      </p:grpSpPr>
-      <p:sp>
-        <p:nvSpPr>
-          <p:cNvPr id="2" name="Title 1">
-            <a:extLst>
-              <a:ext uri="{FF2B5EF4-FFF2-40B4-BE49-F238E27FC236}">
-                <a16:creationId xmlns:a16="http://schemas.microsoft.com/office/drawing/2014/main" id="{13FA08C1-73B6-4F7A-B587-9970420A2F33}"/>
-              </a:ext>
-            </a:extLst>
-          </p:cNvPr>
-          <p:cNvSpPr>
-            <a:spLocks noGrp="1"/>
-          </p:cNvSpPr>
-          <p:nvPr>
-            <p:ph type="title"/>
-          </p:nvPr>
-        </p:nvSpPr>
-        <p:spPr>
-          <a:xfrm>
-            <a:off x="457200" y="704088"/>
-            <a:ext cx="8229600" cy="780696"/>
-          </a:xfrm>
-        </p:spPr>
-        <p:txBody>
-          <a:bodyPr>
-            <a:normAutofit/>
-          </a:bodyPr>
-          <a:lstStyle/>
-          <a:p>
-            <a:r>
-              <a:rPr lang="en-US" sz="4500" dirty="0"/>
-              <a:t>@</a:t>
-            </a:r>
-            <a:r>
-              <a:rPr lang="en-US" sz="4500" dirty="0" err="1"/>
-              <a:t>ManyToMany</a:t>
-            </a:r>
-            <a:endParaRPr lang="en-GB" sz="4500" dirty="0"/>
-          </a:p>
-        </p:txBody>
-      </p:sp>
-      <p:pic>
-        <p:nvPicPr>
-          <p:cNvPr id="4" name="Picture 3">
-            <a:extLst>
-              <a:ext uri="{FF2B5EF4-FFF2-40B4-BE49-F238E27FC236}">
-                <a16:creationId xmlns:a16="http://schemas.microsoft.com/office/drawing/2014/main" id="{201AFE29-83C6-4641-8BBC-644B35DEC6BC}"/>
-              </a:ext>
-            </a:extLst>
-          </p:cNvPr>
-          <p:cNvPicPr>
-            <a:picLocks noChangeAspect="1"/>
-          </p:cNvPicPr>
-          <p:nvPr/>
-        </p:nvPicPr>
-        <p:blipFill>
-          <a:blip r:embed="rId3"/>
-          <a:stretch>
-            <a:fillRect/>
-          </a:stretch>
-        </p:blipFill>
-        <p:spPr>
-          <a:xfrm>
-            <a:off x="457201" y="1479105"/>
-            <a:ext cx="2746858" cy="5378896"/>
-          </a:xfrm>
-          <a:prstGeom prst="rect">
-            <a:avLst/>
-          </a:prstGeom>
-        </p:spPr>
-      </p:pic>
-      <p:pic>
-        <p:nvPicPr>
-          <p:cNvPr id="7" name="Picture 6">
-            <a:extLst>
-              <a:ext uri="{FF2B5EF4-FFF2-40B4-BE49-F238E27FC236}">
-                <a16:creationId xmlns:a16="http://schemas.microsoft.com/office/drawing/2014/main" id="{A07214BC-4042-4970-96D2-B4CC81569022}"/>
-              </a:ext>
-            </a:extLst>
-          </p:cNvPr>
-          <p:cNvPicPr>
-            <a:picLocks noChangeAspect="1"/>
-          </p:cNvPicPr>
-          <p:nvPr/>
-        </p:nvPicPr>
-        <p:blipFill>
-          <a:blip r:embed="rId4"/>
-          <a:stretch>
-            <a:fillRect/>
-          </a:stretch>
-        </p:blipFill>
-        <p:spPr>
-          <a:xfrm>
-            <a:off x="6013903" y="1479105"/>
-            <a:ext cx="2672897" cy="5378895"/>
-          </a:xfrm>
-          <a:prstGeom prst="rect">
-            <a:avLst/>
-          </a:prstGeom>
-        </p:spPr>
-      </p:pic>
-    </p:spTree>
-    <p:extLst>
-      <p:ext uri="{BB962C8B-B14F-4D97-AF65-F5344CB8AC3E}">
-        <p14:creationId xmlns:p14="http://schemas.microsoft.com/office/powerpoint/2010/main" val="3119982216"/>
-      </p:ext>
-    </p:extLst>
-  </p:cSld>
-  <p:clrMapOvr>
-    <a:masterClrMapping/>
-  </p:clrMapOvr>
-</p:sld>
-</file>
-
-<file path=ppt/slides/slide14.xml><?xml version="1.0" encoding="utf-8"?>
-<p:sld xmlns:a="http://schemas.openxmlformats.org/drawingml/2006/main" xmlns:r="http://schemas.openxmlformats.org/officeDocument/2006/relationships" xmlns:p="http://schemas.openxmlformats.org/presentationml/2006/main">
-  <p:cSld>
-    <p:spTree>
-      <p:nvGrpSpPr>
-        <p:cNvPr id="1" name=""/>
-        <p:cNvGrpSpPr/>
-        <p:nvPr/>
-      </p:nvGrpSpPr>
-      <p:grpSpPr>
-        <a:xfrm>
-          <a:off x="0" y="0"/>
-          <a:ext cx="0" cy="0"/>
-          <a:chOff x="0" y="0"/>
-          <a:chExt cx="0" cy="0"/>
-        </a:xfrm>
-      </p:grpSpPr>
-      <p:sp>
-        <p:nvSpPr>
-          <p:cNvPr id="2" name="Title 1">
-            <a:extLst>
-              <a:ext uri="{FF2B5EF4-FFF2-40B4-BE49-F238E27FC236}">
-                <a16:creationId xmlns:a16="http://schemas.microsoft.com/office/drawing/2014/main" id="{13FA08C1-73B6-4F7A-B587-9970420A2F33}"/>
-              </a:ext>
-            </a:extLst>
-          </p:cNvPr>
-          <p:cNvSpPr>
-            <a:spLocks noGrp="1"/>
-          </p:cNvSpPr>
-          <p:nvPr>
-            <p:ph type="title"/>
-          </p:nvPr>
-        </p:nvSpPr>
-        <p:spPr>
-          <a:xfrm>
-            <a:off x="457200" y="704088"/>
-            <a:ext cx="8229600" cy="780696"/>
-          </a:xfrm>
-        </p:spPr>
-        <p:txBody>
-          <a:bodyPr>
-            <a:normAutofit/>
-          </a:bodyPr>
-          <a:lstStyle/>
-          <a:p>
-            <a:r>
-              <a:rPr lang="en-US" sz="4500" dirty="0"/>
-              <a:t>Hibernate cashes</a:t>
-            </a:r>
-            <a:endParaRPr lang="en-GB" sz="4500" dirty="0"/>
-          </a:p>
-        </p:txBody>
-      </p:sp>
-      <p:pic>
-        <p:nvPicPr>
-          <p:cNvPr id="1026" name="Picture 2" descr="Hibernate Second Level Cache Diagram">
-            <a:extLst>
-              <a:ext uri="{FF2B5EF4-FFF2-40B4-BE49-F238E27FC236}">
-                <a16:creationId xmlns:a16="http://schemas.microsoft.com/office/drawing/2014/main" id="{F6E12BC1-DC1F-42E6-B46F-CF7C32C774C1}"/>
-              </a:ext>
-            </a:extLst>
-          </p:cNvPr>
-          <p:cNvPicPr>
-            <a:picLocks noChangeAspect="1" noChangeArrowheads="1"/>
-          </p:cNvPicPr>
-          <p:nvPr/>
-        </p:nvPicPr>
-        <p:blipFill>
-          <a:blip r:embed="rId3">
-            <a:extLst>
-              <a:ext uri="{28A0092B-C50C-407E-A947-70E740481C1C}">
-                <a14:useLocalDpi xmlns:a14="http://schemas.microsoft.com/office/drawing/2010/main" val="0"/>
-              </a:ext>
-            </a:extLst>
-          </a:blip>
-          <a:srcRect/>
-          <a:stretch>
-            <a:fillRect/>
-          </a:stretch>
-        </p:blipFill>
-        <p:spPr bwMode="auto">
-          <a:xfrm>
-            <a:off x="457199" y="1484784"/>
-            <a:ext cx="8155033" cy="4536504"/>
-          </a:xfrm>
-          <a:prstGeom prst="rect">
-            <a:avLst/>
-          </a:prstGeom>
-          <a:noFill/>
-          <a:extLst>
-            <a:ext uri="{909E8E84-426E-40DD-AFC4-6F175D3DCCD1}">
-              <a14:hiddenFill xmlns:a14="http://schemas.microsoft.com/office/drawing/2010/main">
-                <a:solidFill>
-                  <a:srgbClr val="FFFFFF"/>
-                </a:solidFill>
-              </a14:hiddenFill>
-            </a:ext>
-          </a:extLst>
-        </p:spPr>
-      </p:pic>
-    </p:spTree>
-    <p:extLst>
-      <p:ext uri="{BB962C8B-B14F-4D97-AF65-F5344CB8AC3E}">
-        <p14:creationId xmlns:p14="http://schemas.microsoft.com/office/powerpoint/2010/main" val="3385486370"/>
-      </p:ext>
-    </p:extLst>
-  </p:cSld>
-  <p:clrMapOvr>
-    <a:masterClrMapping/>
-  </p:clrMapOvr>
-</p:sld>
-</file>
-
-<file path=ppt/slides/slide2.xml><?xml version="1.0" encoding="utf-8"?>
-<p:sld xmlns:a="http://schemas.openxmlformats.org/drawingml/2006/main" xmlns:r="http://schemas.openxmlformats.org/officeDocument/2006/relationships" xmlns:p="http://schemas.openxmlformats.org/presentationml/2006/main">
-  <p:cSld>
-    <p:spTree>
-      <p:nvGrpSpPr>
-        <p:cNvPr id="1" name=""/>
-        <p:cNvGrpSpPr/>
-        <p:nvPr/>
-      </p:nvGrpSpPr>
-      <p:grpSpPr>
-        <a:xfrm>
-          <a:off x="0" y="0"/>
-          <a:ext cx="0" cy="0"/>
-          <a:chOff x="0" y="0"/>
-          <a:chExt cx="0" cy="0"/>
-        </a:xfrm>
-      </p:grpSpPr>
-      <p:sp>
-        <p:nvSpPr>
-          <p:cNvPr id="2" name="Title 1">
-            <a:extLst>
-              <a:ext uri="{FF2B5EF4-FFF2-40B4-BE49-F238E27FC236}">
-                <a16:creationId xmlns:a16="http://schemas.microsoft.com/office/drawing/2014/main" id="{13FA08C1-73B6-4F7A-B587-9970420A2F33}"/>
-              </a:ext>
-            </a:extLst>
-          </p:cNvPr>
-          <p:cNvSpPr>
-            <a:spLocks noGrp="1"/>
-          </p:cNvSpPr>
-          <p:nvPr>
-            <p:ph type="title"/>
-          </p:nvPr>
-        </p:nvSpPr>
-        <p:spPr>
-          <a:xfrm>
-            <a:off x="457200" y="704088"/>
-            <a:ext cx="8229600" cy="780696"/>
-          </a:xfrm>
-        </p:spPr>
-        <p:txBody>
-          <a:bodyPr>
-            <a:normAutofit/>
-          </a:bodyPr>
-          <a:lstStyle/>
-          <a:p>
-            <a:r>
-              <a:rPr lang="en-US" sz="4500" dirty="0"/>
-              <a:t>SQL Not repeatable read</a:t>
-            </a:r>
-            <a:endParaRPr lang="en-GB" sz="4500" dirty="0"/>
-          </a:p>
-        </p:txBody>
-      </p:sp>
-      <p:pic>
-        <p:nvPicPr>
-          <p:cNvPr id="4098" name="Picture 2" descr="Non-Repeatable Read">
-            <a:extLst>
-              <a:ext uri="{FF2B5EF4-FFF2-40B4-BE49-F238E27FC236}">
-                <a16:creationId xmlns:a16="http://schemas.microsoft.com/office/drawing/2014/main" id="{D7381397-0CCC-40D5-96A0-0133E55BB4DA}"/>
-              </a:ext>
-            </a:extLst>
-          </p:cNvPr>
-          <p:cNvPicPr>
-            <a:picLocks noChangeAspect="1" noChangeArrowheads="1"/>
-          </p:cNvPicPr>
-          <p:nvPr/>
-        </p:nvPicPr>
-        <p:blipFill>
-          <a:blip r:embed="rId3">
-            <a:extLst>
-              <a:ext uri="{28A0092B-C50C-407E-A947-70E740481C1C}">
-                <a14:useLocalDpi xmlns:a14="http://schemas.microsoft.com/office/drawing/2010/main" val="0"/>
-              </a:ext>
-            </a:extLst>
-          </a:blip>
-          <a:srcRect/>
-          <a:stretch>
-            <a:fillRect/>
-          </a:stretch>
-        </p:blipFill>
-        <p:spPr bwMode="auto">
-          <a:xfrm>
-            <a:off x="444872" y="1484784"/>
-            <a:ext cx="8222400" cy="5187535"/>
-          </a:xfrm>
-          <a:prstGeom prst="rect">
-            <a:avLst/>
-          </a:prstGeom>
-          <a:noFill/>
-          <a:extLst>
-            <a:ext uri="{909E8E84-426E-40DD-AFC4-6F175D3DCCD1}">
-              <a14:hiddenFill xmlns:a14="http://schemas.microsoft.com/office/drawing/2010/main">
-                <a:solidFill>
-                  <a:srgbClr val="FFFFFF"/>
-                </a:solidFill>
-              </a14:hiddenFill>
-            </a:ext>
-          </a:extLst>
-        </p:spPr>
-      </p:pic>
-    </p:spTree>
-    <p:extLst>
-      <p:ext uri="{BB962C8B-B14F-4D97-AF65-F5344CB8AC3E}">
-        <p14:creationId xmlns:p14="http://schemas.microsoft.com/office/powerpoint/2010/main" val="2403415782"/>
-      </p:ext>
-    </p:extLst>
-  </p:cSld>
-  <p:clrMapOvr>
-    <a:masterClrMapping/>
-  </p:clrMapOvr>
-</p:sld>
-</file>
-
-<file path=ppt/slides/slide3.xml><?xml version="1.0" encoding="utf-8"?>
-<p:sld xmlns:a="http://schemas.openxmlformats.org/drawingml/2006/main" xmlns:r="http://schemas.openxmlformats.org/officeDocument/2006/relationships" xmlns:p="http://schemas.openxmlformats.org/presentationml/2006/main">
-  <p:cSld>
-    <p:spTree>
-      <p:nvGrpSpPr>
-        <p:cNvPr id="1" name=""/>
-        <p:cNvGrpSpPr/>
-        <p:nvPr/>
-      </p:nvGrpSpPr>
-      <p:grpSpPr>
-        <a:xfrm>
-          <a:off x="0" y="0"/>
-          <a:ext cx="0" cy="0"/>
-          <a:chOff x="0" y="0"/>
-          <a:chExt cx="0" cy="0"/>
-        </a:xfrm>
-      </p:grpSpPr>
-      <p:sp>
-        <p:nvSpPr>
-          <p:cNvPr id="2" name="Title 1">
-            <a:extLst>
-              <a:ext uri="{FF2B5EF4-FFF2-40B4-BE49-F238E27FC236}">
-                <a16:creationId xmlns:a16="http://schemas.microsoft.com/office/drawing/2014/main" id="{13FA08C1-73B6-4F7A-B587-9970420A2F33}"/>
-              </a:ext>
-            </a:extLst>
-          </p:cNvPr>
-          <p:cNvSpPr>
-            <a:spLocks noGrp="1"/>
-          </p:cNvSpPr>
-          <p:nvPr>
-            <p:ph type="title"/>
-          </p:nvPr>
-        </p:nvSpPr>
-        <p:spPr>
-          <a:xfrm>
-            <a:off x="457200" y="704088"/>
-            <a:ext cx="8229600" cy="780696"/>
-          </a:xfrm>
-        </p:spPr>
-        <p:txBody>
-          <a:bodyPr>
-            <a:normAutofit/>
-          </a:bodyPr>
-          <a:lstStyle/>
-          <a:p>
-            <a:r>
-              <a:rPr lang="en-US" sz="4500" dirty="0"/>
-              <a:t>SQL Phantom read</a:t>
-            </a:r>
-            <a:endParaRPr lang="en-GB" sz="4500" dirty="0"/>
-          </a:p>
-        </p:txBody>
-      </p:sp>
-      <p:pic>
-        <p:nvPicPr>
-          <p:cNvPr id="5122" name="Picture 2" descr="https://vladmihalcea.com/wp-content/uploads/2018/06/PhantomRead.png">
-            <a:extLst>
-              <a:ext uri="{FF2B5EF4-FFF2-40B4-BE49-F238E27FC236}">
-                <a16:creationId xmlns:a16="http://schemas.microsoft.com/office/drawing/2014/main" id="{0D3E7F41-12E3-4648-9B9E-E37A86EAC520}"/>
-              </a:ext>
-            </a:extLst>
-          </p:cNvPr>
-          <p:cNvPicPr>
-            <a:picLocks noChangeAspect="1" noChangeArrowheads="1"/>
-          </p:cNvPicPr>
-          <p:nvPr/>
-        </p:nvPicPr>
-        <p:blipFill>
-          <a:blip r:embed="rId3" cstate="print">
-            <a:extLst>
-              <a:ext uri="{28A0092B-C50C-407E-A947-70E740481C1C}">
-                <a14:useLocalDpi xmlns:a14="http://schemas.microsoft.com/office/drawing/2010/main" val="0"/>
-              </a:ext>
-            </a:extLst>
-          </a:blip>
-          <a:srcRect/>
-          <a:stretch>
-            <a:fillRect/>
-          </a:stretch>
-        </p:blipFill>
-        <p:spPr bwMode="auto">
-          <a:xfrm>
-            <a:off x="457200" y="1484784"/>
-            <a:ext cx="8222400" cy="5393095"/>
-          </a:xfrm>
-          <a:prstGeom prst="rect">
-            <a:avLst/>
-          </a:prstGeom>
-          <a:noFill/>
-          <a:extLst>
-            <a:ext uri="{909E8E84-426E-40DD-AFC4-6F175D3DCCD1}">
-              <a14:hiddenFill xmlns:a14="http://schemas.microsoft.com/office/drawing/2010/main">
-                <a:solidFill>
-                  <a:srgbClr val="FFFFFF"/>
-                </a:solidFill>
-              </a14:hiddenFill>
-            </a:ext>
-          </a:extLst>
-        </p:spPr>
-      </p:pic>
-    </p:spTree>
-    <p:extLst>
-      <p:ext uri="{BB962C8B-B14F-4D97-AF65-F5344CB8AC3E}">
-        <p14:creationId xmlns:p14="http://schemas.microsoft.com/office/powerpoint/2010/main" val="2245374333"/>
-      </p:ext>
-    </p:extLst>
-  </p:cSld>
-  <p:clrMapOvr>
-    <a:masterClrMapping/>
-  </p:clrMapOvr>
-</p:sld>
-</file>
-
-<file path=ppt/slides/slide4.xml><?xml version="1.0" encoding="utf-8"?>
-<p:sld xmlns:a="http://schemas.openxmlformats.org/drawingml/2006/main" xmlns:r="http://schemas.openxmlformats.org/officeDocument/2006/relationships" xmlns:p="http://schemas.openxmlformats.org/presentationml/2006/main">
-  <p:cSld>
-    <p:spTree>
-      <p:nvGrpSpPr>
-        <p:cNvPr id="1" name=""/>
-        <p:cNvGrpSpPr/>
-        <p:nvPr/>
-      </p:nvGrpSpPr>
-      <p:grpSpPr>
-        <a:xfrm>
-          <a:off x="0" y="0"/>
-          <a:ext cx="0" cy="0"/>
-          <a:chOff x="0" y="0"/>
-          <a:chExt cx="0" cy="0"/>
-        </a:xfrm>
-      </p:grpSpPr>
-      <p:sp>
-        <p:nvSpPr>
-          <p:cNvPr id="2" name="Title 1">
-            <a:extLst>
-              <a:ext uri="{FF2B5EF4-FFF2-40B4-BE49-F238E27FC236}">
-                <a16:creationId xmlns:a16="http://schemas.microsoft.com/office/drawing/2014/main" id="{13FA08C1-73B6-4F7A-B587-9970420A2F33}"/>
-              </a:ext>
-            </a:extLst>
-          </p:cNvPr>
-          <p:cNvSpPr>
-            <a:spLocks noGrp="1"/>
-          </p:cNvSpPr>
-          <p:nvPr>
-            <p:ph type="title"/>
-          </p:nvPr>
-        </p:nvSpPr>
-        <p:spPr>
-          <a:xfrm>
-            <a:off x="457200" y="704088"/>
-            <a:ext cx="8229600" cy="780696"/>
-          </a:xfrm>
-        </p:spPr>
-        <p:txBody>
-          <a:bodyPr>
-            <a:normAutofit/>
-          </a:bodyPr>
-          <a:lstStyle/>
-          <a:p>
-            <a:r>
-              <a:rPr lang="en-US" sz="4500" dirty="0"/>
-              <a:t>SQL Transactions Isolation level</a:t>
-            </a:r>
-            <a:endParaRPr lang="en-GB" sz="4500" dirty="0"/>
-          </a:p>
-        </p:txBody>
-      </p:sp>
-      <p:pic>
-        <p:nvPicPr>
-          <p:cNvPr id="2050" name="Picture 2" descr="https://1.bp.blogspot.com/-PP-navxWC5U/YP_ALlcXt_I/AAAAAAAAUA8/1JTGQ3QpJLsZyn0ZoijP5ER2-GuWvUdyACLcBGAsYHQ/s700/acid_problems.png">
-            <a:extLst>
-              <a:ext uri="{FF2B5EF4-FFF2-40B4-BE49-F238E27FC236}">
-                <a16:creationId xmlns:a16="http://schemas.microsoft.com/office/drawing/2014/main" id="{14ADAF17-5375-4A89-849F-38CEEB89494B}"/>
-              </a:ext>
-            </a:extLst>
-          </p:cNvPr>
-          <p:cNvPicPr>
-            <a:picLocks noChangeAspect="1" noChangeArrowheads="1"/>
-          </p:cNvPicPr>
-          <p:nvPr/>
-        </p:nvPicPr>
-        <p:blipFill>
-          <a:blip r:embed="rId3">
-            <a:extLst>
-              <a:ext uri="{28A0092B-C50C-407E-A947-70E740481C1C}">
-                <a14:useLocalDpi xmlns:a14="http://schemas.microsoft.com/office/drawing/2010/main" val="0"/>
-              </a:ext>
-            </a:extLst>
-          </a:blip>
-          <a:srcRect/>
-          <a:stretch>
-            <a:fillRect/>
-          </a:stretch>
-        </p:blipFill>
-        <p:spPr bwMode="auto">
-          <a:xfrm>
-            <a:off x="457200" y="2088788"/>
-            <a:ext cx="8265625" cy="2680424"/>
-          </a:xfrm>
-          <a:prstGeom prst="rect">
-            <a:avLst/>
-          </a:prstGeom>
-          <a:noFill/>
-          <a:extLst>
-            <a:ext uri="{909E8E84-426E-40DD-AFC4-6F175D3DCCD1}">
-              <a14:hiddenFill xmlns:a14="http://schemas.microsoft.com/office/drawing/2010/main">
-                <a:solidFill>
-                  <a:srgbClr val="FFFFFF"/>
-                </a:solidFill>
-              </a14:hiddenFill>
-            </a:ext>
-          </a:extLst>
-        </p:spPr>
-      </p:pic>
-    </p:spTree>
-    <p:extLst>
-      <p:ext uri="{BB962C8B-B14F-4D97-AF65-F5344CB8AC3E}">
-        <p14:creationId xmlns:p14="http://schemas.microsoft.com/office/powerpoint/2010/main" val="3849196327"/>
-      </p:ext>
-    </p:extLst>
-  </p:cSld>
-  <p:clrMapOvr>
-    <a:masterClrMapping/>
-  </p:clrMapOvr>
-</p:sld>
-</file>
-
-<file path=ppt/slides/slide5.xml><?xml version="1.0" encoding="utf-8"?>
-<p:sld xmlns:a="http://schemas.openxmlformats.org/drawingml/2006/main" xmlns:r="http://schemas.openxmlformats.org/officeDocument/2006/relationships" xmlns:p="http://schemas.openxmlformats.org/presentationml/2006/main">
-  <p:cSld>
-    <p:spTree>
-      <p:nvGrpSpPr>
-        <p:cNvPr id="1" name=""/>
-        <p:cNvGrpSpPr/>
-        <p:nvPr/>
-      </p:nvGrpSpPr>
-      <p:grpSpPr>
-        <a:xfrm>
-          <a:off x="0" y="0"/>
-          <a:ext cx="0" cy="0"/>
-          <a:chOff x="0" y="0"/>
-          <a:chExt cx="0" cy="0"/>
-        </a:xfrm>
-      </p:grpSpPr>
-      <p:sp>
-        <p:nvSpPr>
-          <p:cNvPr id="2" name="Title 1">
-            <a:extLst>
-              <a:ext uri="{FF2B5EF4-FFF2-40B4-BE49-F238E27FC236}">
-                <a16:creationId xmlns:a16="http://schemas.microsoft.com/office/drawing/2014/main" id="{13FA08C1-73B6-4F7A-B587-9970420A2F33}"/>
-              </a:ext>
-            </a:extLst>
-          </p:cNvPr>
-          <p:cNvSpPr>
-            <a:spLocks noGrp="1"/>
-          </p:cNvSpPr>
-          <p:nvPr>
-            <p:ph type="title"/>
-          </p:nvPr>
-        </p:nvSpPr>
-        <p:spPr>
-          <a:xfrm>
-            <a:off x="457200" y="704088"/>
-            <a:ext cx="8229600" cy="780696"/>
-          </a:xfrm>
-        </p:spPr>
-        <p:txBody>
-          <a:bodyPr>
-            <a:normAutofit/>
-          </a:bodyPr>
-          <a:lstStyle/>
-          <a:p>
-            <a:r>
-              <a:rPr lang="en-US" sz="4500" dirty="0"/>
               <a:t>ORM</a:t>
             </a:r>
             <a:endParaRPr lang="en-GB" sz="4500" dirty="0"/>
@@ -6648,7 +5231,120 @@
 </p:sld>
 </file>
 
-<file path=ppt/slides/slide6.xml><?xml version="1.0" encoding="utf-8"?>
+<file path=ppt/slides/slide10.xml><?xml version="1.0" encoding="utf-8"?>
+<p:sld xmlns:a="http://schemas.openxmlformats.org/drawingml/2006/main" xmlns:r="http://schemas.openxmlformats.org/officeDocument/2006/relationships" xmlns:p="http://schemas.openxmlformats.org/presentationml/2006/main">
+  <p:cSld>
+    <p:spTree>
+      <p:nvGrpSpPr>
+        <p:cNvPr id="1" name=""/>
+        <p:cNvGrpSpPr/>
+        <p:nvPr/>
+      </p:nvGrpSpPr>
+      <p:grpSpPr>
+        <a:xfrm>
+          <a:off x="0" y="0"/>
+          <a:ext cx="0" cy="0"/>
+          <a:chOff x="0" y="0"/>
+          <a:chExt cx="0" cy="0"/>
+        </a:xfrm>
+      </p:grpSpPr>
+      <p:sp>
+        <p:nvSpPr>
+          <p:cNvPr id="2" name="Title 1">
+            <a:extLst>
+              <a:ext uri="{FF2B5EF4-FFF2-40B4-BE49-F238E27FC236}">
+                <a16:creationId xmlns:a16="http://schemas.microsoft.com/office/drawing/2014/main" id="{13FA08C1-73B6-4F7A-B587-9970420A2F33}"/>
+              </a:ext>
+            </a:extLst>
+          </p:cNvPr>
+          <p:cNvSpPr>
+            <a:spLocks noGrp="1"/>
+          </p:cNvSpPr>
+          <p:nvPr>
+            <p:ph type="title"/>
+          </p:nvPr>
+        </p:nvSpPr>
+        <p:spPr>
+          <a:xfrm>
+            <a:off x="457200" y="704088"/>
+            <a:ext cx="8229600" cy="780696"/>
+          </a:xfrm>
+        </p:spPr>
+        <p:txBody>
+          <a:bodyPr>
+            <a:normAutofit/>
+          </a:bodyPr>
+          <a:lstStyle/>
+          <a:p>
+            <a:r>
+              <a:rPr lang="en-US" sz="4500" dirty="0"/>
+              <a:t>Hibernate cashes</a:t>
+            </a:r>
+            <a:endParaRPr lang="en-GB" sz="4500" dirty="0"/>
+          </a:p>
+        </p:txBody>
+      </p:sp>
+      <p:pic>
+        <p:nvPicPr>
+          <p:cNvPr id="1026" name="Picture 2" descr="Hibernate Second Level Cache Diagram">
+            <a:extLst>
+              <a:ext uri="{FF2B5EF4-FFF2-40B4-BE49-F238E27FC236}">
+                <a16:creationId xmlns:a16="http://schemas.microsoft.com/office/drawing/2014/main" id="{F6E12BC1-DC1F-42E6-B46F-CF7C32C774C1}"/>
+              </a:ext>
+            </a:extLst>
+          </p:cNvPr>
+          <p:cNvPicPr>
+            <a:picLocks noChangeAspect="1" noChangeArrowheads="1"/>
+          </p:cNvPicPr>
+          <p:nvPr/>
+        </p:nvPicPr>
+        <p:blipFill>
+          <a:blip r:embed="rId3">
+            <a:extLst>
+              <a:ext uri="{28A0092B-C50C-407E-A947-70E740481C1C}">
+                <a14:useLocalDpi xmlns:a14="http://schemas.microsoft.com/office/drawing/2010/main" val="0"/>
+              </a:ext>
+            </a:extLst>
+          </a:blip>
+          <a:srcRect/>
+          <a:stretch>
+            <a:fillRect/>
+          </a:stretch>
+        </p:blipFill>
+        <p:spPr bwMode="auto">
+          <a:xfrm>
+            <a:off x="457199" y="1484784"/>
+            <a:ext cx="8155033" cy="4536504"/>
+          </a:xfrm>
+          <a:prstGeom prst="rect">
+            <a:avLst/>
+          </a:prstGeom>
+          <a:noFill/>
+          <a:extLst>
+            <a:ext uri="{909E8E84-426E-40DD-AFC4-6F175D3DCCD1}">
+              <a14:hiddenFill xmlns:a14="http://schemas.microsoft.com/office/drawing/2010/main">
+                <a:solidFill>
+                  <a:srgbClr val="FFFFFF"/>
+                </a:solidFill>
+              </a14:hiddenFill>
+            </a:ext>
+          </a:extLst>
+        </p:spPr>
+      </p:pic>
+    </p:spTree>
+    <p:extLst>
+      <p:ext uri="{BB962C8B-B14F-4D97-AF65-F5344CB8AC3E}">
+        <p14:creationId xmlns:p14="http://schemas.microsoft.com/office/powerpoint/2010/main" val="3385486370"/>
+      </p:ext>
+    </p:extLst>
+  </p:cSld>
+  <p:clrMapOvr>
+    <a:masterClrMapping/>
+  </p:clrMapOvr>
+</p:sld>
+</file>
+
+<file path=ppt/slides/slide2.xml><?xml version="1.0" encoding="utf-8"?>
 <p:sld xmlns:a="http://schemas.openxmlformats.org/drawingml/2006/main" xmlns:r="http://schemas.openxmlformats.org/officeDocument/2006/relationships" xmlns:p="http://schemas.openxmlformats.org/presentationml/2006/main">
   <p:cSld>
     <p:spTree>
@@ -6801,7 +5497,7 @@
 </p:sld>
 </file>
 
-<file path=ppt/slides/slide7.xml><?xml version="1.0" encoding="utf-8"?>
+<file path=ppt/slides/slide3.xml><?xml version="1.0" encoding="utf-8"?>
 <p:sld xmlns:a="http://schemas.openxmlformats.org/drawingml/2006/main" xmlns:r="http://schemas.openxmlformats.org/officeDocument/2006/relationships" xmlns:p="http://schemas.openxmlformats.org/presentationml/2006/main">
   <p:cSld>
     <p:spTree>
@@ -6914,7 +5610,7 @@
 </p:sld>
 </file>
 
-<file path=ppt/slides/slide8.xml><?xml version="1.0" encoding="utf-8"?>
+<file path=ppt/slides/slide4.xml><?xml version="1.0" encoding="utf-8"?>
 <p:sld xmlns:a="http://schemas.openxmlformats.org/drawingml/2006/main" xmlns:r="http://schemas.openxmlformats.org/officeDocument/2006/relationships" xmlns:p="http://schemas.openxmlformats.org/presentationml/2006/main">
   <p:cSld>
     <p:spTree>
@@ -7025,7 +5721,7 @@
 </p:sld>
 </file>
 
-<file path=ppt/slides/slide9.xml><?xml version="1.0" encoding="utf-8"?>
+<file path=ppt/slides/slide5.xml><?xml version="1.0" encoding="utf-8"?>
 <p:sld xmlns:a="http://schemas.openxmlformats.org/drawingml/2006/main" xmlns:r="http://schemas.openxmlformats.org/officeDocument/2006/relationships" xmlns:p="http://schemas.openxmlformats.org/presentationml/2006/main">
   <p:cSld>
     <p:spTree>
@@ -7127,6 +5823,518 @@
     <p:extLst>
       <p:ext uri="{BB962C8B-B14F-4D97-AF65-F5344CB8AC3E}">
         <p14:creationId xmlns:p14="http://schemas.microsoft.com/office/powerpoint/2010/main" val="1460557621"/>
+      </p:ext>
+    </p:extLst>
+  </p:cSld>
+  <p:clrMapOvr>
+    <a:masterClrMapping/>
+  </p:clrMapOvr>
+</p:sld>
+</file>
+
+<file path=ppt/slides/slide6.xml><?xml version="1.0" encoding="utf-8"?>
+<p:sld xmlns:a="http://schemas.openxmlformats.org/drawingml/2006/main" xmlns:r="http://schemas.openxmlformats.org/officeDocument/2006/relationships" xmlns:p="http://schemas.openxmlformats.org/presentationml/2006/main">
+  <p:cSld>
+    <p:spTree>
+      <p:nvGrpSpPr>
+        <p:cNvPr id="1" name=""/>
+        <p:cNvGrpSpPr/>
+        <p:nvPr/>
+      </p:nvGrpSpPr>
+      <p:grpSpPr>
+        <a:xfrm>
+          <a:off x="0" y="0"/>
+          <a:ext cx="0" cy="0"/>
+          <a:chOff x="0" y="0"/>
+          <a:chExt cx="0" cy="0"/>
+        </a:xfrm>
+      </p:grpSpPr>
+      <p:sp>
+        <p:nvSpPr>
+          <p:cNvPr id="2" name="Title 1">
+            <a:extLst>
+              <a:ext uri="{FF2B5EF4-FFF2-40B4-BE49-F238E27FC236}">
+                <a16:creationId xmlns:a16="http://schemas.microsoft.com/office/drawing/2014/main" id="{13FA08C1-73B6-4F7A-B587-9970420A2F33}"/>
+              </a:ext>
+            </a:extLst>
+          </p:cNvPr>
+          <p:cNvSpPr>
+            <a:spLocks noGrp="1"/>
+          </p:cNvSpPr>
+          <p:nvPr>
+            <p:ph type="title"/>
+          </p:nvPr>
+        </p:nvSpPr>
+        <p:spPr>
+          <a:xfrm>
+            <a:off x="457200" y="704088"/>
+            <a:ext cx="8229600" cy="780696"/>
+          </a:xfrm>
+        </p:spPr>
+        <p:txBody>
+          <a:bodyPr>
+            <a:normAutofit/>
+          </a:bodyPr>
+          <a:lstStyle/>
+          <a:p>
+            <a:r>
+              <a:rPr lang="en-US" sz="4500" dirty="0"/>
+              <a:t>Entity lifecycle</a:t>
+            </a:r>
+            <a:endParaRPr lang="en-GB" sz="4500" dirty="0"/>
+          </a:p>
+        </p:txBody>
+      </p:sp>
+      <p:pic>
+        <p:nvPicPr>
+          <p:cNvPr id="6148" name="Picture 4" descr="https://javabydeveloper.com/wp-content/uploads/2020/11/jpa-entity-lifecycle-1024x576.png?ezimgfmt=rs:696x392/rscb330/ngcb330/notWebP">
+            <a:extLst>
+              <a:ext uri="{FF2B5EF4-FFF2-40B4-BE49-F238E27FC236}">
+                <a16:creationId xmlns:a16="http://schemas.microsoft.com/office/drawing/2014/main" id="{71AC02F2-84F3-4A8A-BC3C-F7250CF1D3CB}"/>
+              </a:ext>
+            </a:extLst>
+          </p:cNvPr>
+          <p:cNvPicPr>
+            <a:picLocks noChangeAspect="1" noChangeArrowheads="1"/>
+          </p:cNvPicPr>
+          <p:nvPr/>
+        </p:nvPicPr>
+        <p:blipFill rotWithShape="1">
+          <a:blip r:embed="rId3">
+            <a:extLst>
+              <a:ext uri="{28A0092B-C50C-407E-A947-70E740481C1C}">
+                <a14:useLocalDpi xmlns:a14="http://schemas.microsoft.com/office/drawing/2010/main" val="0"/>
+              </a:ext>
+            </a:extLst>
+          </a:blip>
+          <a:srcRect l="8689" t="7734" r="9846" b="9127"/>
+          <a:stretch/>
+        </p:blipFill>
+        <p:spPr bwMode="auto">
+          <a:xfrm>
+            <a:off x="427353" y="1700808"/>
+            <a:ext cx="8289293" cy="4752528"/>
+          </a:xfrm>
+          <a:prstGeom prst="rect">
+            <a:avLst/>
+          </a:prstGeom>
+          <a:noFill/>
+          <a:extLst>
+            <a:ext uri="{909E8E84-426E-40DD-AFC4-6F175D3DCCD1}">
+              <a14:hiddenFill xmlns:a14="http://schemas.microsoft.com/office/drawing/2010/main">
+                <a:solidFill>
+                  <a:srgbClr val="FFFFFF"/>
+                </a:solidFill>
+              </a14:hiddenFill>
+            </a:ext>
+          </a:extLst>
+        </p:spPr>
+      </p:pic>
+    </p:spTree>
+    <p:extLst>
+      <p:ext uri="{BB962C8B-B14F-4D97-AF65-F5344CB8AC3E}">
+        <p14:creationId xmlns:p14="http://schemas.microsoft.com/office/powerpoint/2010/main" val="924892523"/>
+      </p:ext>
+    </p:extLst>
+  </p:cSld>
+  <p:clrMapOvr>
+    <a:masterClrMapping/>
+  </p:clrMapOvr>
+</p:sld>
+</file>
+
+<file path=ppt/slides/slide7.xml><?xml version="1.0" encoding="utf-8"?>
+<p:sld xmlns:a="http://schemas.openxmlformats.org/drawingml/2006/main" xmlns:r="http://schemas.openxmlformats.org/officeDocument/2006/relationships" xmlns:p="http://schemas.openxmlformats.org/presentationml/2006/main">
+  <p:cSld>
+    <p:spTree>
+      <p:nvGrpSpPr>
+        <p:cNvPr id="1" name=""/>
+        <p:cNvGrpSpPr/>
+        <p:nvPr/>
+      </p:nvGrpSpPr>
+      <p:grpSpPr>
+        <a:xfrm>
+          <a:off x="0" y="0"/>
+          <a:ext cx="0" cy="0"/>
+          <a:chOff x="0" y="0"/>
+          <a:chExt cx="0" cy="0"/>
+        </a:xfrm>
+      </p:grpSpPr>
+      <p:sp>
+        <p:nvSpPr>
+          <p:cNvPr id="2" name="Title 1">
+            <a:extLst>
+              <a:ext uri="{FF2B5EF4-FFF2-40B4-BE49-F238E27FC236}">
+                <a16:creationId xmlns:a16="http://schemas.microsoft.com/office/drawing/2014/main" id="{13FA08C1-73B6-4F7A-B587-9970420A2F33}"/>
+              </a:ext>
+            </a:extLst>
+          </p:cNvPr>
+          <p:cNvSpPr>
+            <a:spLocks noGrp="1"/>
+          </p:cNvSpPr>
+          <p:nvPr>
+            <p:ph type="title"/>
+          </p:nvPr>
+        </p:nvSpPr>
+        <p:spPr>
+          <a:xfrm>
+            <a:off x="457200" y="704088"/>
+            <a:ext cx="8229600" cy="780696"/>
+          </a:xfrm>
+        </p:spPr>
+        <p:txBody>
+          <a:bodyPr>
+            <a:normAutofit/>
+          </a:bodyPr>
+          <a:lstStyle/>
+          <a:p>
+            <a:r>
+              <a:rPr lang="en-US" sz="4500" dirty="0"/>
+              <a:t>@</a:t>
+            </a:r>
+            <a:r>
+              <a:rPr lang="en-US" sz="4500" dirty="0" err="1"/>
+              <a:t>OneToOne</a:t>
+            </a:r>
+            <a:endParaRPr lang="en-GB" sz="4500" dirty="0"/>
+          </a:p>
+        </p:txBody>
+      </p:sp>
+      <p:pic>
+        <p:nvPicPr>
+          <p:cNvPr id="4" name="Picture 3">
+            <a:extLst>
+              <a:ext uri="{FF2B5EF4-FFF2-40B4-BE49-F238E27FC236}">
+                <a16:creationId xmlns:a16="http://schemas.microsoft.com/office/drawing/2014/main" id="{91A0A25D-E9D4-4E35-8CAA-B78C001B6A0E}"/>
+              </a:ext>
+            </a:extLst>
+          </p:cNvPr>
+          <p:cNvPicPr>
+            <a:picLocks noChangeAspect="1"/>
+          </p:cNvPicPr>
+          <p:nvPr/>
+        </p:nvPicPr>
+        <p:blipFill>
+          <a:blip r:embed="rId3"/>
+          <a:stretch>
+            <a:fillRect/>
+          </a:stretch>
+        </p:blipFill>
+        <p:spPr>
+          <a:xfrm>
+            <a:off x="457200" y="1484784"/>
+            <a:ext cx="2713223" cy="5257977"/>
+          </a:xfrm>
+          <a:prstGeom prst="rect">
+            <a:avLst/>
+          </a:prstGeom>
+        </p:spPr>
+      </p:pic>
+      <p:pic>
+        <p:nvPicPr>
+          <p:cNvPr id="6" name="Picture 5">
+            <a:extLst>
+              <a:ext uri="{FF2B5EF4-FFF2-40B4-BE49-F238E27FC236}">
+                <a16:creationId xmlns:a16="http://schemas.microsoft.com/office/drawing/2014/main" id="{A76F1FC2-AC6E-470F-99C9-22EB12BE1F17}"/>
+              </a:ext>
+            </a:extLst>
+          </p:cNvPr>
+          <p:cNvPicPr>
+            <a:picLocks noChangeAspect="1"/>
+          </p:cNvPicPr>
+          <p:nvPr/>
+        </p:nvPicPr>
+        <p:blipFill rotWithShape="1">
+          <a:blip r:embed="rId4"/>
+          <a:srcRect b="4871"/>
+          <a:stretch/>
+        </p:blipFill>
+        <p:spPr>
+          <a:xfrm>
+            <a:off x="5772150" y="1484785"/>
+            <a:ext cx="2914650" cy="5373216"/>
+          </a:xfrm>
+          <a:prstGeom prst="rect">
+            <a:avLst/>
+          </a:prstGeom>
+        </p:spPr>
+      </p:pic>
+    </p:spTree>
+    <p:extLst>
+      <p:ext uri="{BB962C8B-B14F-4D97-AF65-F5344CB8AC3E}">
+        <p14:creationId xmlns:p14="http://schemas.microsoft.com/office/powerpoint/2010/main" val="2694965699"/>
+      </p:ext>
+    </p:extLst>
+  </p:cSld>
+  <p:clrMapOvr>
+    <a:masterClrMapping/>
+  </p:clrMapOvr>
+</p:sld>
+</file>
+
+<file path=ppt/slides/slide8.xml><?xml version="1.0" encoding="utf-8"?>
+<p:sld xmlns:a="http://schemas.openxmlformats.org/drawingml/2006/main" xmlns:r="http://schemas.openxmlformats.org/officeDocument/2006/relationships" xmlns:p="http://schemas.openxmlformats.org/presentationml/2006/main">
+  <p:cSld>
+    <p:spTree>
+      <p:nvGrpSpPr>
+        <p:cNvPr id="1" name=""/>
+        <p:cNvGrpSpPr/>
+        <p:nvPr/>
+      </p:nvGrpSpPr>
+      <p:grpSpPr>
+        <a:xfrm>
+          <a:off x="0" y="0"/>
+          <a:ext cx="0" cy="0"/>
+          <a:chOff x="0" y="0"/>
+          <a:chExt cx="0" cy="0"/>
+        </a:xfrm>
+      </p:grpSpPr>
+      <p:sp>
+        <p:nvSpPr>
+          <p:cNvPr id="2" name="Title 1">
+            <a:extLst>
+              <a:ext uri="{FF2B5EF4-FFF2-40B4-BE49-F238E27FC236}">
+                <a16:creationId xmlns:a16="http://schemas.microsoft.com/office/drawing/2014/main" id="{13FA08C1-73B6-4F7A-B587-9970420A2F33}"/>
+              </a:ext>
+            </a:extLst>
+          </p:cNvPr>
+          <p:cNvSpPr>
+            <a:spLocks noGrp="1"/>
+          </p:cNvSpPr>
+          <p:nvPr>
+            <p:ph type="title"/>
+          </p:nvPr>
+        </p:nvSpPr>
+        <p:spPr>
+          <a:xfrm>
+            <a:off x="457200" y="704088"/>
+            <a:ext cx="8229600" cy="780696"/>
+          </a:xfrm>
+        </p:spPr>
+        <p:txBody>
+          <a:bodyPr>
+            <a:normAutofit/>
+          </a:bodyPr>
+          <a:lstStyle/>
+          <a:p>
+            <a:r>
+              <a:rPr lang="en-US" sz="4500" dirty="0"/>
+              <a:t>@</a:t>
+            </a:r>
+            <a:r>
+              <a:rPr lang="en-US" sz="4500" dirty="0" err="1"/>
+              <a:t>OneToMany</a:t>
+            </a:r>
+            <a:r>
+              <a:rPr lang="en-US" sz="4500" dirty="0"/>
+              <a:t> (@</a:t>
+            </a:r>
+            <a:r>
+              <a:rPr lang="en-US" sz="4500" dirty="0" err="1"/>
+              <a:t>ManyToOne</a:t>
+            </a:r>
+            <a:r>
+              <a:rPr lang="en-US" sz="4500" dirty="0"/>
+              <a:t>)</a:t>
+            </a:r>
+            <a:endParaRPr lang="en-GB" sz="4500" dirty="0"/>
+          </a:p>
+        </p:txBody>
+      </p:sp>
+      <p:pic>
+        <p:nvPicPr>
+          <p:cNvPr id="5" name="Picture 4">
+            <a:extLst>
+              <a:ext uri="{FF2B5EF4-FFF2-40B4-BE49-F238E27FC236}">
+                <a16:creationId xmlns:a16="http://schemas.microsoft.com/office/drawing/2014/main" id="{6AA62A19-60B2-410D-BD18-5C11CAE26C0C}"/>
+              </a:ext>
+            </a:extLst>
+          </p:cNvPr>
+          <p:cNvPicPr>
+            <a:picLocks noChangeAspect="1"/>
+          </p:cNvPicPr>
+          <p:nvPr/>
+        </p:nvPicPr>
+        <p:blipFill>
+          <a:blip r:embed="rId3"/>
+          <a:stretch>
+            <a:fillRect/>
+          </a:stretch>
+        </p:blipFill>
+        <p:spPr>
+          <a:xfrm>
+            <a:off x="5848350" y="1484784"/>
+            <a:ext cx="2838450" cy="4848225"/>
+          </a:xfrm>
+          <a:prstGeom prst="rect">
+            <a:avLst/>
+          </a:prstGeom>
+        </p:spPr>
+      </p:pic>
+      <p:pic>
+        <p:nvPicPr>
+          <p:cNvPr id="8" name="Picture 7">
+            <a:extLst>
+              <a:ext uri="{FF2B5EF4-FFF2-40B4-BE49-F238E27FC236}">
+                <a16:creationId xmlns:a16="http://schemas.microsoft.com/office/drawing/2014/main" id="{3DB6300C-DDB0-4A3D-A4C0-C42146EC3532}"/>
+              </a:ext>
+            </a:extLst>
+          </p:cNvPr>
+          <p:cNvPicPr>
+            <a:picLocks noChangeAspect="1"/>
+          </p:cNvPicPr>
+          <p:nvPr/>
+        </p:nvPicPr>
+        <p:blipFill>
+          <a:blip r:embed="rId4"/>
+          <a:stretch>
+            <a:fillRect/>
+          </a:stretch>
+        </p:blipFill>
+        <p:spPr>
+          <a:xfrm>
+            <a:off x="457200" y="1484784"/>
+            <a:ext cx="2838450" cy="4229100"/>
+          </a:xfrm>
+          <a:prstGeom prst="rect">
+            <a:avLst/>
+          </a:prstGeom>
+        </p:spPr>
+      </p:pic>
+    </p:spTree>
+    <p:extLst>
+      <p:ext uri="{BB962C8B-B14F-4D97-AF65-F5344CB8AC3E}">
+        <p14:creationId xmlns:p14="http://schemas.microsoft.com/office/powerpoint/2010/main" val="3666439719"/>
+      </p:ext>
+    </p:extLst>
+  </p:cSld>
+  <p:clrMapOvr>
+    <a:masterClrMapping/>
+  </p:clrMapOvr>
+</p:sld>
+</file>
+
+<file path=ppt/slides/slide9.xml><?xml version="1.0" encoding="utf-8"?>
+<p:sld xmlns:a="http://schemas.openxmlformats.org/drawingml/2006/main" xmlns:r="http://schemas.openxmlformats.org/officeDocument/2006/relationships" xmlns:p="http://schemas.openxmlformats.org/presentationml/2006/main">
+  <p:cSld>
+    <p:spTree>
+      <p:nvGrpSpPr>
+        <p:cNvPr id="1" name=""/>
+        <p:cNvGrpSpPr/>
+        <p:nvPr/>
+      </p:nvGrpSpPr>
+      <p:grpSpPr>
+        <a:xfrm>
+          <a:off x="0" y="0"/>
+          <a:ext cx="0" cy="0"/>
+          <a:chOff x="0" y="0"/>
+          <a:chExt cx="0" cy="0"/>
+        </a:xfrm>
+      </p:grpSpPr>
+      <p:sp>
+        <p:nvSpPr>
+          <p:cNvPr id="2" name="Title 1">
+            <a:extLst>
+              <a:ext uri="{FF2B5EF4-FFF2-40B4-BE49-F238E27FC236}">
+                <a16:creationId xmlns:a16="http://schemas.microsoft.com/office/drawing/2014/main" id="{13FA08C1-73B6-4F7A-B587-9970420A2F33}"/>
+              </a:ext>
+            </a:extLst>
+          </p:cNvPr>
+          <p:cNvSpPr>
+            <a:spLocks noGrp="1"/>
+          </p:cNvSpPr>
+          <p:nvPr>
+            <p:ph type="title"/>
+          </p:nvPr>
+        </p:nvSpPr>
+        <p:spPr>
+          <a:xfrm>
+            <a:off x="457200" y="704088"/>
+            <a:ext cx="8229600" cy="780696"/>
+          </a:xfrm>
+        </p:spPr>
+        <p:txBody>
+          <a:bodyPr>
+            <a:normAutofit/>
+          </a:bodyPr>
+          <a:lstStyle/>
+          <a:p>
+            <a:r>
+              <a:rPr lang="en-US" sz="4500" dirty="0"/>
+              <a:t>@</a:t>
+            </a:r>
+            <a:r>
+              <a:rPr lang="en-US" sz="4500" dirty="0" err="1"/>
+              <a:t>ManyToMany</a:t>
+            </a:r>
+            <a:endParaRPr lang="en-GB" sz="4500" dirty="0"/>
+          </a:p>
+        </p:txBody>
+      </p:sp>
+      <p:pic>
+        <p:nvPicPr>
+          <p:cNvPr id="4" name="Picture 3">
+            <a:extLst>
+              <a:ext uri="{FF2B5EF4-FFF2-40B4-BE49-F238E27FC236}">
+                <a16:creationId xmlns:a16="http://schemas.microsoft.com/office/drawing/2014/main" id="{201AFE29-83C6-4641-8BBC-644B35DEC6BC}"/>
+              </a:ext>
+            </a:extLst>
+          </p:cNvPr>
+          <p:cNvPicPr>
+            <a:picLocks noChangeAspect="1"/>
+          </p:cNvPicPr>
+          <p:nvPr/>
+        </p:nvPicPr>
+        <p:blipFill>
+          <a:blip r:embed="rId3"/>
+          <a:stretch>
+            <a:fillRect/>
+          </a:stretch>
+        </p:blipFill>
+        <p:spPr>
+          <a:xfrm>
+            <a:off x="457201" y="1479105"/>
+            <a:ext cx="2746858" cy="5378896"/>
+          </a:xfrm>
+          <a:prstGeom prst="rect">
+            <a:avLst/>
+          </a:prstGeom>
+        </p:spPr>
+      </p:pic>
+      <p:pic>
+        <p:nvPicPr>
+          <p:cNvPr id="7" name="Picture 6">
+            <a:extLst>
+              <a:ext uri="{FF2B5EF4-FFF2-40B4-BE49-F238E27FC236}">
+                <a16:creationId xmlns:a16="http://schemas.microsoft.com/office/drawing/2014/main" id="{A07214BC-4042-4970-96D2-B4CC81569022}"/>
+              </a:ext>
+            </a:extLst>
+          </p:cNvPr>
+          <p:cNvPicPr>
+            <a:picLocks noChangeAspect="1"/>
+          </p:cNvPicPr>
+          <p:nvPr/>
+        </p:nvPicPr>
+        <p:blipFill>
+          <a:blip r:embed="rId4"/>
+          <a:stretch>
+            <a:fillRect/>
+          </a:stretch>
+        </p:blipFill>
+        <p:spPr>
+          <a:xfrm>
+            <a:off x="6013903" y="1479105"/>
+            <a:ext cx="2672897" cy="5378895"/>
+          </a:xfrm>
+          <a:prstGeom prst="rect">
+            <a:avLst/>
+          </a:prstGeom>
+        </p:spPr>
+      </p:pic>
+    </p:spTree>
+    <p:extLst>
+      <p:ext uri="{BB962C8B-B14F-4D97-AF65-F5344CB8AC3E}">
+        <p14:creationId xmlns:p14="http://schemas.microsoft.com/office/powerpoint/2010/main" val="3119982216"/>
       </p:ext>
     </p:extLst>
   </p:cSld>

--- a/src/main/resources/lesson34/JPA.Hibernate.pptx
+++ b/src/main/resources/lesson34/JPA.Hibernate.pptx
@@ -217,7 +217,7 @@
           <a:p>
             <a:fld id="{D15B1B1A-7302-47FC-952D-0C1A65EDA216}" type="datetimeFigureOut">
               <a:rPr lang="en-GB" smtClean="0"/>
-              <a:t>17/03/2023</a:t>
+              <a:t>12/04/2023</a:t>
             </a:fld>
             <a:endParaRPr lang="en-GB"/>
           </a:p>
@@ -1498,7 +1498,7 @@
           <a:p>
             <a:fld id="{B4C71EC6-210F-42DE-9C53-41977AD35B3D}" type="datetimeFigureOut">
               <a:rPr lang="ru-RU" smtClean="0"/>
-              <a:t>17.03.2023</a:t>
+              <a:t>12.04.2023</a:t>
             </a:fld>
             <a:endParaRPr lang="ru-RU"/>
           </a:p>
@@ -1663,7 +1663,7 @@
           <a:p>
             <a:fld id="{B4C71EC6-210F-42DE-9C53-41977AD35B3D}" type="datetimeFigureOut">
               <a:rPr lang="ru-RU" smtClean="0"/>
-              <a:t>17.03.2023</a:t>
+              <a:t>12.04.2023</a:t>
             </a:fld>
             <a:endParaRPr lang="ru-RU"/>
           </a:p>
@@ -1838,7 +1838,7 @@
           <a:p>
             <a:fld id="{B4C71EC6-210F-42DE-9C53-41977AD35B3D}" type="datetimeFigureOut">
               <a:rPr lang="ru-RU" smtClean="0"/>
-              <a:t>17.03.2023</a:t>
+              <a:t>12.04.2023</a:t>
             </a:fld>
             <a:endParaRPr lang="ru-RU"/>
           </a:p>
@@ -2003,7 +2003,7 @@
           <a:p>
             <a:fld id="{B4C71EC6-210F-42DE-9C53-41977AD35B3D}" type="datetimeFigureOut">
               <a:rPr lang="ru-RU" smtClean="0"/>
-              <a:t>17.03.2023</a:t>
+              <a:t>12.04.2023</a:t>
             </a:fld>
             <a:endParaRPr lang="ru-RU"/>
           </a:p>
@@ -2245,7 +2245,7 @@
           <a:p>
             <a:fld id="{B4C71EC6-210F-42DE-9C53-41977AD35B3D}" type="datetimeFigureOut">
               <a:rPr lang="ru-RU" smtClean="0"/>
-              <a:t>17.03.2023</a:t>
+              <a:t>12.04.2023</a:t>
             </a:fld>
             <a:endParaRPr lang="ru-RU"/>
           </a:p>
@@ -2509,7 +2509,7 @@
           <a:p>
             <a:fld id="{B4C71EC6-210F-42DE-9C53-41977AD35B3D}" type="datetimeFigureOut">
               <a:rPr lang="ru-RU" smtClean="0"/>
-              <a:t>17.03.2023</a:t>
+              <a:t>12.04.2023</a:t>
             </a:fld>
             <a:endParaRPr lang="ru-RU"/>
           </a:p>
@@ -2887,7 +2887,7 @@
           <a:p>
             <a:fld id="{B4C71EC6-210F-42DE-9C53-41977AD35B3D}" type="datetimeFigureOut">
               <a:rPr lang="ru-RU" smtClean="0"/>
-              <a:t>17.03.2023</a:t>
+              <a:t>12.04.2023</a:t>
             </a:fld>
             <a:endParaRPr lang="ru-RU"/>
           </a:p>
@@ -3037,7 +3037,7 @@
           <a:p>
             <a:fld id="{B4C71EC6-210F-42DE-9C53-41977AD35B3D}" type="datetimeFigureOut">
               <a:rPr lang="ru-RU" smtClean="0"/>
-              <a:t>17.03.2023</a:t>
+              <a:t>12.04.2023</a:t>
             </a:fld>
             <a:endParaRPr lang="ru-RU"/>
           </a:p>
@@ -3127,7 +3127,7 @@
           <a:p>
             <a:fld id="{B4C71EC6-210F-42DE-9C53-41977AD35B3D}" type="datetimeFigureOut">
               <a:rPr lang="ru-RU" smtClean="0"/>
-              <a:t>17.03.2023</a:t>
+              <a:t>12.04.2023</a:t>
             </a:fld>
             <a:endParaRPr lang="ru-RU"/>
           </a:p>
@@ -3388,7 +3388,7 @@
           <a:p>
             <a:fld id="{B4C71EC6-210F-42DE-9C53-41977AD35B3D}" type="datetimeFigureOut">
               <a:rPr lang="ru-RU" smtClean="0"/>
-              <a:t>17.03.2023</a:t>
+              <a:t>12.04.2023</a:t>
             </a:fld>
             <a:endParaRPr lang="ru-RU"/>
           </a:p>
@@ -3676,7 +3676,7 @@
           <a:p>
             <a:fld id="{B4C71EC6-210F-42DE-9C53-41977AD35B3D}" type="datetimeFigureOut">
               <a:rPr lang="ru-RU" smtClean="0"/>
-              <a:t>17.03.2023</a:t>
+              <a:t>12.04.2023</a:t>
             </a:fld>
             <a:endParaRPr lang="ru-RU"/>
           </a:p>
@@ -4447,7 +4447,7 @@
           <a:p>
             <a:fld id="{B4C71EC6-210F-42DE-9C53-41977AD35B3D}" type="datetimeFigureOut">
               <a:rPr lang="ru-RU" smtClean="0"/>
-              <a:t>17.03.2023</a:t>
+              <a:t>12.04.2023</a:t>
             </a:fld>
             <a:endParaRPr lang="ru-RU"/>
           </a:p>
@@ -5994,7 +5994,7 @@
             </a:r>
             <a:r>
               <a:rPr lang="en-US" sz="4500" dirty="0" err="1"/>
-              <a:t>OneToOne</a:t>
+              <a:t>OneToMany</a:t>
             </a:r>
             <a:endParaRPr lang="en-GB" sz="4500" dirty="0"/>
           </a:p>
@@ -6123,19 +6123,7 @@
             </a:r>
             <a:r>
               <a:rPr lang="en-US" sz="4500" dirty="0" err="1"/>
-              <a:t>OneToMany</a:t>
-            </a:r>
-            <a:r>
-              <a:rPr lang="en-US" sz="4500" dirty="0"/>
-              <a:t> (@</a:t>
-            </a:r>
-            <a:r>
-              <a:rPr lang="en-US" sz="4500" dirty="0" err="1"/>
               <a:t>ManyToOne</a:t>
-            </a:r>
-            <a:r>
-              <a:rPr lang="en-US" sz="4500" dirty="0"/>
-              <a:t>)</a:t>
             </a:r>
             <a:endParaRPr lang="en-GB" sz="4500" dirty="0"/>
           </a:p>
